--- a/Documentació/App - Cuadro de mandos.pptx
+++ b/Documentació/App - Cuadro de mandos.pptx
@@ -7,6 +7,8 @@
   <p:sldIdLst>
     <p:sldId id="256" r:id="rId2"/>
     <p:sldId id="257" r:id="rId3"/>
+    <p:sldId id="259" r:id="rId4"/>
+    <p:sldId id="258" r:id="rId5"/>
   </p:sldIdLst>
   <p:sldSz cx="12192000" cy="6858000"/>
   <p:notesSz cx="6858000" cy="9144000"/>
@@ -114,7 +116,7 @@
 </file>
 
 <file path=ppt/slideLayouts/slideLayout1.xml><?xml version="1.0" encoding="utf-8"?>
-<p:sldLayout xmlns:a="http://schemas.openxmlformats.org/drawingml/2006/main" xmlns:r="http://schemas.openxmlformats.org/officeDocument/2006/relationships" xmlns:p="http://schemas.openxmlformats.org/presentationml/2006/main" type="title" preserve="1">
+<p:sldLayout xmlns:a="http://schemas.openxmlformats.org/drawingml/2006/main" xmlns:r="http://schemas.openxmlformats.org/officeDocument/2006/relationships" xmlns:p="http://schemas.openxmlformats.org/presentationml/2006/main" showMasterSp="0" type="title" preserve="1">
   <p:cSld name="Diapositiva de título">
     <p:spTree>
       <p:nvGrpSpPr>
@@ -334,7 +336,7 @@
 </file>
 
 <file path=ppt/slideLayouts/slideLayout10.xml><?xml version="1.0" encoding="utf-8"?>
-<p:sldLayout xmlns:a="http://schemas.openxmlformats.org/drawingml/2006/main" xmlns:r="http://schemas.openxmlformats.org/officeDocument/2006/relationships" xmlns:p="http://schemas.openxmlformats.org/presentationml/2006/main" type="vertTx" preserve="1">
+<p:sldLayout xmlns:a="http://schemas.openxmlformats.org/drawingml/2006/main" xmlns:r="http://schemas.openxmlformats.org/officeDocument/2006/relationships" xmlns:p="http://schemas.openxmlformats.org/presentationml/2006/main" showMasterSp="0" type="vertTx" preserve="1">
   <p:cSld name="Título y texto vertical">
     <p:spTree>
       <p:nvGrpSpPr>
@@ -532,7 +534,7 @@
 </file>
 
 <file path=ppt/slideLayouts/slideLayout11.xml><?xml version="1.0" encoding="utf-8"?>
-<p:sldLayout xmlns:a="http://schemas.openxmlformats.org/drawingml/2006/main" xmlns:r="http://schemas.openxmlformats.org/officeDocument/2006/relationships" xmlns:p="http://schemas.openxmlformats.org/presentationml/2006/main" type="vertTitleAndTx" preserve="1">
+<p:sldLayout xmlns:a="http://schemas.openxmlformats.org/drawingml/2006/main" xmlns:r="http://schemas.openxmlformats.org/officeDocument/2006/relationships" xmlns:p="http://schemas.openxmlformats.org/presentationml/2006/main" showMasterSp="0" type="vertTitleAndTx" preserve="1">
   <p:cSld name="Título vertical y texto">
     <p:spTree>
       <p:nvGrpSpPr>
@@ -740,7 +742,7 @@
 </file>
 
 <file path=ppt/slideLayouts/slideLayout2.xml><?xml version="1.0" encoding="utf-8"?>
-<p:sldLayout xmlns:a="http://schemas.openxmlformats.org/drawingml/2006/main" xmlns:r="http://schemas.openxmlformats.org/officeDocument/2006/relationships" xmlns:p="http://schemas.openxmlformats.org/presentationml/2006/main" type="obj" preserve="1">
+<p:sldLayout xmlns:a="http://schemas.openxmlformats.org/drawingml/2006/main" xmlns:r="http://schemas.openxmlformats.org/officeDocument/2006/relationships" xmlns:p="http://schemas.openxmlformats.org/presentationml/2006/main" showMasterSp="0" type="obj" preserve="1">
   <p:cSld name="Título y objetos">
     <p:spTree>
       <p:nvGrpSpPr>
@@ -938,7 +940,7 @@
 </file>
 
 <file path=ppt/slideLayouts/slideLayout3.xml><?xml version="1.0" encoding="utf-8"?>
-<p:sldLayout xmlns:a="http://schemas.openxmlformats.org/drawingml/2006/main" xmlns:r="http://schemas.openxmlformats.org/officeDocument/2006/relationships" xmlns:p="http://schemas.openxmlformats.org/presentationml/2006/main" type="secHead" preserve="1">
+<p:sldLayout xmlns:a="http://schemas.openxmlformats.org/drawingml/2006/main" xmlns:r="http://schemas.openxmlformats.org/officeDocument/2006/relationships" xmlns:p="http://schemas.openxmlformats.org/presentationml/2006/main" showMasterSp="0" type="secHead" preserve="1">
   <p:cSld name="Encabezado de sección">
     <p:spTree>
       <p:nvGrpSpPr>
@@ -1213,7 +1215,7 @@
 </file>
 
 <file path=ppt/slideLayouts/slideLayout4.xml><?xml version="1.0" encoding="utf-8"?>
-<p:sldLayout xmlns:a="http://schemas.openxmlformats.org/drawingml/2006/main" xmlns:r="http://schemas.openxmlformats.org/officeDocument/2006/relationships" xmlns:p="http://schemas.openxmlformats.org/presentationml/2006/main" type="twoObj" preserve="1">
+<p:sldLayout xmlns:a="http://schemas.openxmlformats.org/drawingml/2006/main" xmlns:r="http://schemas.openxmlformats.org/officeDocument/2006/relationships" xmlns:p="http://schemas.openxmlformats.org/presentationml/2006/main" showMasterSp="0" type="twoObj" preserve="1">
   <p:cSld name="Dos objetos">
     <p:spTree>
       <p:nvGrpSpPr>
@@ -1478,7 +1480,7 @@
 </file>
 
 <file path=ppt/slideLayouts/slideLayout5.xml><?xml version="1.0" encoding="utf-8"?>
-<p:sldLayout xmlns:a="http://schemas.openxmlformats.org/drawingml/2006/main" xmlns:r="http://schemas.openxmlformats.org/officeDocument/2006/relationships" xmlns:p="http://schemas.openxmlformats.org/presentationml/2006/main" type="twoTxTwoObj" preserve="1">
+<p:sldLayout xmlns:a="http://schemas.openxmlformats.org/drawingml/2006/main" xmlns:r="http://schemas.openxmlformats.org/officeDocument/2006/relationships" xmlns:p="http://schemas.openxmlformats.org/presentationml/2006/main" showMasterSp="0" type="twoTxTwoObj" preserve="1">
   <p:cSld name="Comparación">
     <p:spTree>
       <p:nvGrpSpPr>
@@ -1890,7 +1892,7 @@
 </file>
 
 <file path=ppt/slideLayouts/slideLayout6.xml><?xml version="1.0" encoding="utf-8"?>
-<p:sldLayout xmlns:a="http://schemas.openxmlformats.org/drawingml/2006/main" xmlns:r="http://schemas.openxmlformats.org/officeDocument/2006/relationships" xmlns:p="http://schemas.openxmlformats.org/presentationml/2006/main" type="titleOnly" preserve="1">
+<p:sldLayout xmlns:a="http://schemas.openxmlformats.org/drawingml/2006/main" xmlns:r="http://schemas.openxmlformats.org/officeDocument/2006/relationships" xmlns:p="http://schemas.openxmlformats.org/presentationml/2006/main" showMasterSp="0" type="titleOnly" preserve="1">
   <p:cSld name="Solo el título">
     <p:spTree>
       <p:nvGrpSpPr>
@@ -2031,7 +2033,7 @@
 </file>
 
 <file path=ppt/slideLayouts/slideLayout7.xml><?xml version="1.0" encoding="utf-8"?>
-<p:sldLayout xmlns:a="http://schemas.openxmlformats.org/drawingml/2006/main" xmlns:r="http://schemas.openxmlformats.org/officeDocument/2006/relationships" xmlns:p="http://schemas.openxmlformats.org/presentationml/2006/main" type="blank" preserve="1">
+<p:sldLayout xmlns:a="http://schemas.openxmlformats.org/drawingml/2006/main" xmlns:r="http://schemas.openxmlformats.org/officeDocument/2006/relationships" xmlns:p="http://schemas.openxmlformats.org/presentationml/2006/main" showMasterSp="0" type="blank" preserve="1">
   <p:cSld name="En blanco">
     <p:spTree>
       <p:nvGrpSpPr>
@@ -2144,7 +2146,7 @@
 </file>
 
 <file path=ppt/slideLayouts/slideLayout8.xml><?xml version="1.0" encoding="utf-8"?>
-<p:sldLayout xmlns:a="http://schemas.openxmlformats.org/drawingml/2006/main" xmlns:r="http://schemas.openxmlformats.org/officeDocument/2006/relationships" xmlns:p="http://schemas.openxmlformats.org/presentationml/2006/main" type="objTx" preserve="1">
+<p:sldLayout xmlns:a="http://schemas.openxmlformats.org/drawingml/2006/main" xmlns:r="http://schemas.openxmlformats.org/officeDocument/2006/relationships" xmlns:p="http://schemas.openxmlformats.org/presentationml/2006/main" showMasterSp="0" type="objTx" preserve="1">
   <p:cSld name="Contenido con título">
     <p:spTree>
       <p:nvGrpSpPr>
@@ -2455,7 +2457,7 @@
 </file>
 
 <file path=ppt/slideLayouts/slideLayout9.xml><?xml version="1.0" encoding="utf-8"?>
-<p:sldLayout xmlns:a="http://schemas.openxmlformats.org/drawingml/2006/main" xmlns:r="http://schemas.openxmlformats.org/officeDocument/2006/relationships" xmlns:p="http://schemas.openxmlformats.org/presentationml/2006/main" type="picTx" preserve="1">
+<p:sldLayout xmlns:a="http://schemas.openxmlformats.org/drawingml/2006/main" xmlns:r="http://schemas.openxmlformats.org/officeDocument/2006/relationships" xmlns:p="http://schemas.openxmlformats.org/presentationml/2006/main" showMasterSp="0" type="picTx" preserve="1">
   <p:cSld name="Imagen con título">
     <p:spTree>
       <p:nvGrpSpPr>
@@ -2746,9 +2748,12 @@
 <p:sldMaster xmlns:a="http://schemas.openxmlformats.org/drawingml/2006/main" xmlns:r="http://schemas.openxmlformats.org/officeDocument/2006/relationships" xmlns:p="http://schemas.openxmlformats.org/presentationml/2006/main">
   <p:cSld>
     <p:bg>
-      <p:bgRef idx="1001">
-        <a:schemeClr val="bg1"/>
-      </p:bgRef>
+      <p:bgPr>
+        <a:solidFill>
+          <a:schemeClr val="bg1"/>
+        </a:solidFill>
+        <a:effectLst/>
+      </p:bgPr>
     </p:bg>
     <p:spTree>
       <p:nvGrpSpPr>
@@ -3311,7 +3316,7 @@
 </file>
 
 <file path=ppt/slides/slide1.xml><?xml version="1.0" encoding="utf-8"?>
-<p:sld xmlns:a="http://schemas.openxmlformats.org/drawingml/2006/main" xmlns:r="http://schemas.openxmlformats.org/officeDocument/2006/relationships" xmlns:p="http://schemas.openxmlformats.org/presentationml/2006/main">
+<p:sld xmlns:a="http://schemas.openxmlformats.org/drawingml/2006/main" xmlns:r="http://schemas.openxmlformats.org/officeDocument/2006/relationships" xmlns:p="http://schemas.openxmlformats.org/presentationml/2006/main" showMasterSp="0">
   <p:cSld>
     <p:spTree>
       <p:nvGrpSpPr>
@@ -3763,7 +3768,7 @@
         </p:nvSpPr>
         <p:spPr>
           <a:xfrm>
-            <a:off x="3881480" y="1775299"/>
+            <a:off x="3881480" y="1768266"/>
             <a:ext cx="114300" cy="108000"/>
           </a:xfrm>
           <a:prstGeom prst="rect">
@@ -3909,7 +3914,7 @@
         </p:nvSpPr>
         <p:spPr>
           <a:xfrm>
-            <a:off x="1346025" y="2302053"/>
+            <a:off x="1346025" y="2528113"/>
             <a:ext cx="2678400" cy="211274"/>
           </a:xfrm>
           <a:prstGeom prst="rect">
@@ -3970,7 +3975,7 @@
         </p:nvSpPr>
         <p:spPr>
           <a:xfrm>
-            <a:off x="1346025" y="2528866"/>
+            <a:off x="1346025" y="2754926"/>
             <a:ext cx="2678400" cy="345490"/>
           </a:xfrm>
           <a:prstGeom prst="rect">
@@ -4046,7 +4051,7 @@
         </p:blipFill>
         <p:spPr bwMode="auto">
           <a:xfrm>
-            <a:off x="1376893" y="2564446"/>
+            <a:off x="1376893" y="2790506"/>
             <a:ext cx="426693" cy="277811"/>
           </a:xfrm>
           <a:prstGeom prst="rect">
@@ -4078,7 +4083,7 @@
         </p:nvSpPr>
         <p:spPr>
           <a:xfrm>
-            <a:off x="1346025" y="2889894"/>
+            <a:off x="1346025" y="3115954"/>
             <a:ext cx="2678400" cy="345490"/>
           </a:xfrm>
           <a:prstGeom prst="rect">
@@ -4154,7 +4159,7 @@
         </p:blipFill>
         <p:spPr bwMode="auto">
           <a:xfrm>
-            <a:off x="1376893" y="2905948"/>
+            <a:off x="1376893" y="3132008"/>
             <a:ext cx="426693" cy="312691"/>
           </a:xfrm>
           <a:prstGeom prst="rect">
@@ -4544,7 +4549,7 @@
         </p:nvSpPr>
         <p:spPr>
           <a:xfrm>
-            <a:off x="1534152" y="1904515"/>
+            <a:off x="1534152" y="2130575"/>
             <a:ext cx="1803408" cy="230832"/>
           </a:xfrm>
           <a:prstGeom prst="rect">
@@ -4593,7 +4598,7 @@
         </p:blipFill>
         <p:spPr>
           <a:xfrm>
-            <a:off x="1422612" y="2115460"/>
+            <a:off x="1422612" y="2341520"/>
             <a:ext cx="148721" cy="144000"/>
           </a:xfrm>
           <a:prstGeom prst="rect">
@@ -4629,7 +4634,7 @@
         </p:blipFill>
         <p:spPr>
           <a:xfrm>
-            <a:off x="1422613" y="1940166"/>
+            <a:off x="1422613" y="2166226"/>
             <a:ext cx="148721" cy="144000"/>
           </a:xfrm>
           <a:prstGeom prst="rect">
@@ -4651,7 +4656,7 @@
         </p:nvSpPr>
         <p:spPr>
           <a:xfrm>
-            <a:off x="1534152" y="2078433"/>
+            <a:off x="1534152" y="2304493"/>
             <a:ext cx="1010920" cy="230832"/>
           </a:xfrm>
           <a:prstGeom prst="rect">
@@ -4740,7 +4745,7 @@
         </p:nvSpPr>
         <p:spPr>
           <a:xfrm>
-            <a:off x="9723967" y="2407690"/>
+            <a:off x="9723967" y="2393190"/>
             <a:ext cx="538142" cy="484632"/>
           </a:xfrm>
           <a:prstGeom prst="rightArrow">
@@ -4786,7 +4791,7 @@
         </p:nvSpPr>
         <p:spPr>
           <a:xfrm rot="10800000">
-            <a:off x="5028586" y="2405262"/>
+            <a:off x="5028586" y="2393190"/>
             <a:ext cx="538142" cy="484632"/>
           </a:xfrm>
           <a:prstGeom prst="rightArrow">
@@ -5947,6 +5952,365 @@
           </a:extLst>
         </p:spPr>
       </p:pic>
+      <p:sp>
+        <p:nvSpPr>
+          <p:cNvPr id="20" name="Diagrama de flujo: unión de suma 19">
+            <a:extLst>
+              <a:ext uri="{FF2B5EF4-FFF2-40B4-BE49-F238E27FC236}">
+                <a16:creationId xmlns:a16="http://schemas.microsoft.com/office/drawing/2014/main" id="{8981385C-06ED-4BB8-8BAF-03CB9A1CAF81}"/>
+              </a:ext>
+            </a:extLst>
+          </p:cNvPr>
+          <p:cNvSpPr/>
+          <p:nvPr/>
+        </p:nvSpPr>
+        <p:spPr>
+          <a:xfrm rot="914255">
+            <a:off x="5840307" y="2329182"/>
+            <a:ext cx="612648" cy="612648"/>
+          </a:xfrm>
+          <a:prstGeom prst="flowChartSummingJunction">
+            <a:avLst/>
+          </a:prstGeom>
+          <a:solidFill>
+            <a:schemeClr val="accent3">
+              <a:lumMod val="60000"/>
+              <a:lumOff val="40000"/>
+            </a:schemeClr>
+          </a:solidFill>
+          <a:ln>
+            <a:solidFill>
+              <a:schemeClr val="accent3">
+                <a:lumMod val="75000"/>
+              </a:schemeClr>
+            </a:solidFill>
+          </a:ln>
+        </p:spPr>
+        <p:style>
+          <a:lnRef idx="2">
+            <a:schemeClr val="accent1">
+              <a:shade val="50000"/>
+            </a:schemeClr>
+          </a:lnRef>
+          <a:fillRef idx="1">
+            <a:schemeClr val="accent1"/>
+          </a:fillRef>
+          <a:effectRef idx="0">
+            <a:schemeClr val="accent1"/>
+          </a:effectRef>
+          <a:fontRef idx="minor">
+            <a:schemeClr val="lt1"/>
+          </a:fontRef>
+        </p:style>
+        <p:txBody>
+          <a:bodyPr lIns="0" tIns="0" rIns="0" bIns="0" rtlCol="0" anchor="ctr"/>
+          <a:lstStyle/>
+          <a:p>
+            <a:pPr algn="ctr"/>
+            <a:r>
+              <a:rPr lang="es-ES" sz="1600">
+                <a:solidFill>
+                  <a:schemeClr val="tx1"/>
+                </a:solidFill>
+              </a:rPr>
+              <a:t>30º</a:t>
+            </a:r>
+          </a:p>
+        </p:txBody>
+      </p:sp>
+      <p:sp>
+        <p:nvSpPr>
+          <p:cNvPr id="58" name="Diagrama de flujo: unión de suma 57">
+            <a:extLst>
+              <a:ext uri="{FF2B5EF4-FFF2-40B4-BE49-F238E27FC236}">
+                <a16:creationId xmlns:a16="http://schemas.microsoft.com/office/drawing/2014/main" id="{6E10E1D9-B88D-4928-AD9B-439CFDBD37E3}"/>
+              </a:ext>
+            </a:extLst>
+          </p:cNvPr>
+          <p:cNvSpPr/>
+          <p:nvPr/>
+        </p:nvSpPr>
+        <p:spPr>
+          <a:xfrm rot="2137139">
+            <a:off x="8888641" y="2329182"/>
+            <a:ext cx="612648" cy="612648"/>
+          </a:xfrm>
+          <a:prstGeom prst="flowChartSummingJunction">
+            <a:avLst/>
+          </a:prstGeom>
+          <a:solidFill>
+            <a:schemeClr val="accent3">
+              <a:lumMod val="60000"/>
+              <a:lumOff val="40000"/>
+            </a:schemeClr>
+          </a:solidFill>
+          <a:ln>
+            <a:solidFill>
+              <a:schemeClr val="accent3">
+                <a:lumMod val="75000"/>
+              </a:schemeClr>
+            </a:solidFill>
+          </a:ln>
+        </p:spPr>
+        <p:style>
+          <a:lnRef idx="2">
+            <a:schemeClr val="accent1">
+              <a:shade val="50000"/>
+            </a:schemeClr>
+          </a:lnRef>
+          <a:fillRef idx="1">
+            <a:schemeClr val="accent1"/>
+          </a:fillRef>
+          <a:effectRef idx="0">
+            <a:schemeClr val="accent1"/>
+          </a:effectRef>
+          <a:fontRef idx="minor">
+            <a:schemeClr val="lt1"/>
+          </a:fontRef>
+        </p:style>
+        <p:txBody>
+          <a:bodyPr lIns="0" tIns="0" rIns="0" bIns="0" rtlCol="0" anchor="ctr"/>
+          <a:lstStyle/>
+          <a:p>
+            <a:pPr algn="ctr"/>
+            <a:r>
+              <a:rPr lang="es-ES" sz="1600">
+                <a:solidFill>
+                  <a:schemeClr val="tx1"/>
+                </a:solidFill>
+              </a:rPr>
+              <a:t>100º</a:t>
+            </a:r>
+          </a:p>
+        </p:txBody>
+      </p:sp>
+      <p:sp>
+        <p:nvSpPr>
+          <p:cNvPr id="30" name="CuadroTexto 29">
+            <a:extLst>
+              <a:ext uri="{FF2B5EF4-FFF2-40B4-BE49-F238E27FC236}">
+                <a16:creationId xmlns:a16="http://schemas.microsoft.com/office/drawing/2014/main" id="{E61116D7-1265-44F7-B7AD-4E042DDDDB54}"/>
+              </a:ext>
+            </a:extLst>
+          </p:cNvPr>
+          <p:cNvSpPr txBox="1"/>
+          <p:nvPr/>
+        </p:nvSpPr>
+        <p:spPr>
+          <a:xfrm>
+            <a:off x="6728292" y="3061683"/>
+            <a:ext cx="1800012" cy="307777"/>
+          </a:xfrm>
+          <a:prstGeom prst="rect">
+            <a:avLst/>
+          </a:prstGeom>
+          <a:noFill/>
+        </p:spPr>
+        <p:txBody>
+          <a:bodyPr wrap="square" rtlCol="0">
+            <a:spAutoFit/>
+          </a:bodyPr>
+          <a:lstStyle/>
+          <a:p>
+            <a:pPr algn="ctr"/>
+            <a:r>
+              <a:rPr lang="es-ES" sz="1400">
+                <a:solidFill>
+                  <a:schemeClr val="bg1">
+                    <a:lumMod val="50000"/>
+                  </a:schemeClr>
+                </a:solidFill>
+              </a:rPr>
+              <a:t>Velocímetro</a:t>
+            </a:r>
+          </a:p>
+        </p:txBody>
+      </p:sp>
+      <p:sp>
+        <p:nvSpPr>
+          <p:cNvPr id="60" name="CuadroTexto 59">
+            <a:extLst>
+              <a:ext uri="{FF2B5EF4-FFF2-40B4-BE49-F238E27FC236}">
+                <a16:creationId xmlns:a16="http://schemas.microsoft.com/office/drawing/2014/main" id="{023A661F-9BB4-4548-B8D7-752915B2E42C}"/>
+              </a:ext>
+            </a:extLst>
+          </p:cNvPr>
+          <p:cNvSpPr txBox="1"/>
+          <p:nvPr/>
+        </p:nvSpPr>
+        <p:spPr>
+          <a:xfrm>
+            <a:off x="4920342" y="2167863"/>
+            <a:ext cx="716863" cy="261610"/>
+          </a:xfrm>
+          <a:prstGeom prst="rect">
+            <a:avLst/>
+          </a:prstGeom>
+          <a:noFill/>
+        </p:spPr>
+        <p:txBody>
+          <a:bodyPr wrap="none" rtlCol="0">
+            <a:spAutoFit/>
+          </a:bodyPr>
+          <a:lstStyle/>
+          <a:p>
+            <a:r>
+              <a:rPr lang="es-ES" sz="1100">
+                <a:solidFill>
+                  <a:schemeClr val="bg1">
+                    <a:lumMod val="50000"/>
+                  </a:schemeClr>
+                </a:solidFill>
+              </a:rPr>
+              <a:t>Izquierda</a:t>
+            </a:r>
+          </a:p>
+        </p:txBody>
+      </p:sp>
+      <p:sp>
+        <p:nvSpPr>
+          <p:cNvPr id="61" name="CuadroTexto 60">
+            <a:extLst>
+              <a:ext uri="{FF2B5EF4-FFF2-40B4-BE49-F238E27FC236}">
+                <a16:creationId xmlns:a16="http://schemas.microsoft.com/office/drawing/2014/main" id="{75214BFC-641F-45BF-BA3E-BFB3AA31946B}"/>
+              </a:ext>
+            </a:extLst>
+          </p:cNvPr>
+          <p:cNvSpPr txBox="1"/>
+          <p:nvPr/>
+        </p:nvSpPr>
+        <p:spPr>
+          <a:xfrm>
+            <a:off x="9650013" y="2167863"/>
+            <a:ext cx="662361" cy="261610"/>
+          </a:xfrm>
+          <a:prstGeom prst="rect">
+            <a:avLst/>
+          </a:prstGeom>
+          <a:noFill/>
+        </p:spPr>
+        <p:txBody>
+          <a:bodyPr wrap="none" rtlCol="0">
+            <a:spAutoFit/>
+          </a:bodyPr>
+          <a:lstStyle/>
+          <a:p>
+            <a:r>
+              <a:rPr lang="es-ES" sz="1100">
+                <a:solidFill>
+                  <a:schemeClr val="bg1">
+                    <a:lumMod val="50000"/>
+                  </a:schemeClr>
+                </a:solidFill>
+              </a:rPr>
+              <a:t>Derecha</a:t>
+            </a:r>
+          </a:p>
+        </p:txBody>
+      </p:sp>
+      <p:sp>
+        <p:nvSpPr>
+          <p:cNvPr id="63" name="CuadroTexto 62">
+            <a:extLst>
+              <a:ext uri="{FF2B5EF4-FFF2-40B4-BE49-F238E27FC236}">
+                <a16:creationId xmlns:a16="http://schemas.microsoft.com/office/drawing/2014/main" id="{B893C91B-D113-4C5E-9211-D6F2A020BD01}"/>
+              </a:ext>
+            </a:extLst>
+          </p:cNvPr>
+          <p:cNvSpPr txBox="1"/>
+          <p:nvPr/>
+        </p:nvSpPr>
+        <p:spPr>
+          <a:xfrm>
+            <a:off x="6723240" y="4177105"/>
+            <a:ext cx="1717763" cy="307777"/>
+          </a:xfrm>
+          <a:prstGeom prst="rect">
+            <a:avLst/>
+          </a:prstGeom>
+          <a:noFill/>
+        </p:spPr>
+        <p:txBody>
+          <a:bodyPr wrap="square" rtlCol="0">
+            <a:spAutoFit/>
+          </a:bodyPr>
+          <a:lstStyle/>
+          <a:p>
+            <a:pPr algn="ctr"/>
+            <a:r>
+              <a:rPr lang="es-ES" sz="1400">
+                <a:solidFill>
+                  <a:schemeClr val="bg1">
+                    <a:lumMod val="50000"/>
+                  </a:schemeClr>
+                </a:solidFill>
+              </a:rPr>
+              <a:t>Dirección</a:t>
+            </a:r>
+          </a:p>
+        </p:txBody>
+      </p:sp>
+      <p:sp>
+        <p:nvSpPr>
+          <p:cNvPr id="69" name="Rectángulo 68">
+            <a:extLst>
+              <a:ext uri="{FF2B5EF4-FFF2-40B4-BE49-F238E27FC236}">
+                <a16:creationId xmlns:a16="http://schemas.microsoft.com/office/drawing/2014/main" id="{AED2C2C9-40C4-4B4C-ACD8-6F3092907CC8}"/>
+              </a:ext>
+            </a:extLst>
+          </p:cNvPr>
+          <p:cNvSpPr/>
+          <p:nvPr/>
+        </p:nvSpPr>
+        <p:spPr>
+          <a:xfrm>
+            <a:off x="1345349" y="1917099"/>
+            <a:ext cx="2678400" cy="211274"/>
+          </a:xfrm>
+          <a:prstGeom prst="rect">
+            <a:avLst/>
+          </a:prstGeom>
+          <a:solidFill>
+            <a:schemeClr val="accent5">
+              <a:lumMod val="40000"/>
+              <a:lumOff val="60000"/>
+            </a:schemeClr>
+          </a:solidFill>
+          <a:ln>
+            <a:noFill/>
+          </a:ln>
+        </p:spPr>
+        <p:style>
+          <a:lnRef idx="2">
+            <a:schemeClr val="accent1">
+              <a:shade val="50000"/>
+            </a:schemeClr>
+          </a:lnRef>
+          <a:fillRef idx="1">
+            <a:schemeClr val="accent1"/>
+          </a:fillRef>
+          <a:effectRef idx="0">
+            <a:schemeClr val="accent1"/>
+          </a:effectRef>
+          <a:fontRef idx="minor">
+            <a:schemeClr val="lt1"/>
+          </a:fontRef>
+        </p:style>
+        <p:txBody>
+          <a:bodyPr lIns="36000" tIns="36000" rIns="36000" bIns="36000" rtlCol="0" anchor="t" anchorCtr="0"/>
+          <a:lstStyle/>
+          <a:p>
+            <a:r>
+              <a:rPr lang="es-ES" sz="900">
+                <a:solidFill>
+                  <a:schemeClr val="tx1"/>
+                </a:solidFill>
+              </a:rPr>
+              <a:t>Cuadros de mando</a:t>
+            </a:r>
+          </a:p>
+        </p:txBody>
+      </p:sp>
     </p:spTree>
     <p:extLst>
       <p:ext uri="{BB962C8B-B14F-4D97-AF65-F5344CB8AC3E}">
@@ -5961,7 +6325,1077 @@
 </file>
 
 <file path=ppt/slides/slide2.xml><?xml version="1.0" encoding="utf-8"?>
+<p:sld xmlns:a="http://schemas.openxmlformats.org/drawingml/2006/main" xmlns:r="http://schemas.openxmlformats.org/officeDocument/2006/relationships" xmlns:p="http://schemas.openxmlformats.org/presentationml/2006/main" showMasterSp="0">
+  <p:cSld>
+    <p:spTree>
+      <p:nvGrpSpPr>
+        <p:cNvPr id="1" name=""/>
+        <p:cNvGrpSpPr/>
+        <p:nvPr/>
+      </p:nvGrpSpPr>
+      <p:grpSpPr>
+        <a:xfrm>
+          <a:off x="0" y="0"/>
+          <a:ext cx="0" cy="0"/>
+          <a:chOff x="0" y="0"/>
+          <a:chExt cx="0" cy="0"/>
+        </a:xfrm>
+      </p:grpSpPr>
+      <p:sp useBgFill="1">
+        <p:nvSpPr>
+          <p:cNvPr id="11" name="Rectangle 10">
+            <a:extLst>
+              <a:ext uri="{FF2B5EF4-FFF2-40B4-BE49-F238E27FC236}">
+                <a16:creationId xmlns:a16="http://schemas.microsoft.com/office/drawing/2014/main" id="{C96C8BAF-68F3-4B78-B238-35DF5D86560D}"/>
+              </a:ext>
+              <a:ext uri="{C183D7F6-B498-43B3-948B-1728B52AA6E4}">
+                <adec:decorative xmlns:adec="http://schemas.microsoft.com/office/drawing/2017/decorative" val="1"/>
+              </a:ext>
+            </a:extLst>
+          </p:cNvPr>
+          <p:cNvSpPr>
+            <a:spLocks noGrp="1" noRot="1" noChangeAspect="1" noMove="1" noResize="1" noEditPoints="1" noAdjustHandles="1" noChangeArrowheads="1" noChangeShapeType="1" noTextEdit="1"/>
+          </p:cNvSpPr>
+          <p:nvPr>
+            <p:extLst>
+              <p:ext uri="{386F3935-93C4-4BCD-93E2-E3B085C9AB24}">
+                <p16:designElem xmlns:p16="http://schemas.microsoft.com/office/powerpoint/2015/main" val="1"/>
+              </p:ext>
+            </p:extLst>
+          </p:nvPr>
+        </p:nvSpPr>
+        <p:spPr>
+          <a:xfrm>
+            <a:off x="0" y="0"/>
+            <a:ext cx="12192000" cy="6858000"/>
+          </a:xfrm>
+          <a:prstGeom prst="rect">
+            <a:avLst/>
+          </a:prstGeom>
+          <a:ln>
+            <a:noFill/>
+          </a:ln>
+        </p:spPr>
+        <p:style>
+          <a:lnRef idx="2">
+            <a:schemeClr val="accent1">
+              <a:shade val="50000"/>
+            </a:schemeClr>
+          </a:lnRef>
+          <a:fillRef idx="1">
+            <a:schemeClr val="accent1"/>
+          </a:fillRef>
+          <a:effectRef idx="0">
+            <a:schemeClr val="accent1"/>
+          </a:effectRef>
+          <a:fontRef idx="minor">
+            <a:schemeClr val="lt1"/>
+          </a:fontRef>
+        </p:style>
+        <p:txBody>
+          <a:bodyPr rtlCol="0" anchor="ctr"/>
+          <a:lstStyle/>
+          <a:p>
+            <a:pPr algn="ctr"/>
+            <a:endParaRPr lang="en-US"/>
+          </a:p>
+        </p:txBody>
+      </p:sp>
+      <p:grpSp>
+        <p:nvGrpSpPr>
+          <p:cNvPr id="13" name="Group 12">
+            <a:extLst>
+              <a:ext uri="{FF2B5EF4-FFF2-40B4-BE49-F238E27FC236}">
+                <a16:creationId xmlns:a16="http://schemas.microsoft.com/office/drawing/2014/main" id="{4F4CD6D0-5A87-4BA2-A13A-0E40511C3CFA}"/>
+              </a:ext>
+              <a:ext uri="{C183D7F6-B498-43B3-948B-1728B52AA6E4}">
+                <adec:decorative xmlns:adec="http://schemas.microsoft.com/office/drawing/2017/decorative" val="1"/>
+              </a:ext>
+            </a:extLst>
+          </p:cNvPr>
+          <p:cNvGrpSpPr>
+            <a:grpSpLocks noGrp="1" noUngrp="1" noRot="1" noChangeAspect="1" noMove="1" noResize="1"/>
+          </p:cNvGrpSpPr>
+          <p:nvPr>
+            <p:extLst>
+              <p:ext uri="{386F3935-93C4-4BCD-93E2-E3B085C9AB24}">
+                <p16:designElem xmlns:p16="http://schemas.microsoft.com/office/powerpoint/2015/main" val="1"/>
+              </p:ext>
+            </p:extLst>
+          </p:nvPr>
+        </p:nvGrpSpPr>
+        <p:grpSpPr>
+          <a:xfrm>
+            <a:off x="534774" y="699565"/>
+            <a:ext cx="3553132" cy="5156200"/>
+            <a:chOff x="7807230" y="2012810"/>
+            <a:chExt cx="3251252" cy="3459865"/>
+          </a:xfrm>
+        </p:grpSpPr>
+        <p:sp>
+          <p:nvSpPr>
+            <p:cNvPr id="14" name="Rectangle 13">
+              <a:extLst>
+                <a:ext uri="{FF2B5EF4-FFF2-40B4-BE49-F238E27FC236}">
+                  <a16:creationId xmlns:a16="http://schemas.microsoft.com/office/drawing/2014/main" id="{5877EAC0-2063-444D-8EE9-72FED2E03B26}"/>
+                </a:ext>
+                <a:ext uri="{C183D7F6-B498-43B3-948B-1728B52AA6E4}">
+                  <adec:decorative xmlns:adec="http://schemas.microsoft.com/office/drawing/2017/decorative" val="1"/>
+                </a:ext>
+              </a:extLst>
+            </p:cNvPr>
+            <p:cNvSpPr/>
+            <p:nvPr>
+              <p:extLst>
+                <p:ext uri="{386F3935-93C4-4BCD-93E2-E3B085C9AB24}">
+                  <p16:designElem xmlns:p16="http://schemas.microsoft.com/office/powerpoint/2015/main" val="1"/>
+                </p:ext>
+              </p:extLst>
+            </p:nvPr>
+          </p:nvSpPr>
+          <p:spPr>
+            <a:xfrm>
+              <a:off x="7807230" y="2012810"/>
+              <a:ext cx="3251252" cy="3459865"/>
+            </a:xfrm>
+            <a:prstGeom prst="rect">
+              <a:avLst/>
+            </a:prstGeom>
+            <a:gradFill>
+              <a:gsLst>
+                <a:gs pos="0">
+                  <a:srgbClr val="000001"/>
+                </a:gs>
+                <a:gs pos="100000">
+                  <a:srgbClr val="191919"/>
+                </a:gs>
+              </a:gsLst>
+            </a:gradFill>
+            <a:ln w="76200" cmpd="sng">
+              <a:noFill/>
+              <a:miter lim="800000"/>
+            </a:ln>
+            <a:effectLst>
+              <a:outerShdw blurRad="127000" dist="190500" dir="4740000" sx="98000" sy="98000" algn="tl" rotWithShape="0">
+                <a:srgbClr val="000000">
+                  <a:alpha val="34000"/>
+                </a:srgbClr>
+              </a:outerShdw>
+            </a:effectLst>
+            <a:scene3d>
+              <a:camera prst="orthographicFront"/>
+              <a:lightRig rig="threePt" dir="t"/>
+            </a:scene3d>
+            <a:sp3d>
+              <a:bevelT w="152400" h="50800" prst="softRound"/>
+            </a:sp3d>
+          </p:spPr>
+          <p:style>
+            <a:lnRef idx="1">
+              <a:schemeClr val="accent1"/>
+            </a:lnRef>
+            <a:fillRef idx="3">
+              <a:schemeClr val="accent1"/>
+            </a:fillRef>
+            <a:effectRef idx="2">
+              <a:schemeClr val="accent1"/>
+            </a:effectRef>
+            <a:fontRef idx="minor">
+              <a:schemeClr val="lt1"/>
+            </a:fontRef>
+          </p:style>
+          <p:txBody>
+            <a:bodyPr rtlCol="0" anchor="ctr"/>
+            <a:lstStyle/>
+            <a:p>
+              <a:pPr algn="ctr"/>
+              <a:endParaRPr lang="en-US"/>
+            </a:p>
+          </p:txBody>
+        </p:sp>
+        <p:sp>
+          <p:nvSpPr>
+            <p:cNvPr id="15" name="Rectangle 14">
+              <a:extLst>
+                <a:ext uri="{FF2B5EF4-FFF2-40B4-BE49-F238E27FC236}">
+                  <a16:creationId xmlns:a16="http://schemas.microsoft.com/office/drawing/2014/main" id="{2C155BF8-661A-4F4A-B4EC-923105C69221}"/>
+                </a:ext>
+                <a:ext uri="{C183D7F6-B498-43B3-948B-1728B52AA6E4}">
+                  <adec:decorative xmlns:adec="http://schemas.microsoft.com/office/drawing/2017/decorative" val="1"/>
+                </a:ext>
+              </a:extLst>
+            </p:cNvPr>
+            <p:cNvSpPr/>
+            <p:nvPr>
+              <p:extLst>
+                <p:ext uri="{386F3935-93C4-4BCD-93E2-E3B085C9AB24}">
+                  <p16:designElem xmlns:p16="http://schemas.microsoft.com/office/powerpoint/2015/main" val="1"/>
+                </p:ext>
+              </p:extLst>
+            </p:nvPr>
+          </p:nvSpPr>
+          <p:spPr>
+            <a:xfrm>
+              <a:off x="7807231" y="2026142"/>
+              <a:ext cx="3251250" cy="3440203"/>
+            </a:xfrm>
+            <a:prstGeom prst="rect">
+              <a:avLst/>
+            </a:prstGeom>
+            <a:gradFill>
+              <a:gsLst>
+                <a:gs pos="0">
+                  <a:srgbClr val="DADADA"/>
+                </a:gs>
+                <a:gs pos="100000">
+                  <a:srgbClr val="FFFFFE"/>
+                </a:gs>
+              </a:gsLst>
+              <a:lin ang="16200000" scaled="0"/>
+            </a:gradFill>
+            <a:ln w="76200" cmpd="sng">
+              <a:solidFill>
+                <a:srgbClr val="191919"/>
+              </a:solidFill>
+              <a:miter lim="800000"/>
+            </a:ln>
+            <a:effectLst>
+              <a:innerShdw blurRad="63500" dist="88900" dir="14100000">
+                <a:srgbClr val="000000">
+                  <a:alpha val="30000"/>
+                </a:srgbClr>
+              </a:innerShdw>
+            </a:effectLst>
+            <a:scene3d>
+              <a:camera prst="orthographicFront"/>
+              <a:lightRig rig="threePt" dir="t"/>
+            </a:scene3d>
+            <a:sp3d>
+              <a:bevelT w="38100" h="38100" prst="relaxedInset"/>
+            </a:sp3d>
+          </p:spPr>
+          <p:style>
+            <a:lnRef idx="1">
+              <a:schemeClr val="accent1"/>
+            </a:lnRef>
+            <a:fillRef idx="3">
+              <a:schemeClr val="accent1"/>
+            </a:fillRef>
+            <a:effectRef idx="2">
+              <a:schemeClr val="accent1"/>
+            </a:effectRef>
+            <a:fontRef idx="minor">
+              <a:schemeClr val="lt1"/>
+            </a:fontRef>
+          </p:style>
+          <p:txBody>
+            <a:bodyPr rtlCol="0" anchor="ctr"/>
+            <a:lstStyle/>
+            <a:p>
+              <a:pPr algn="ctr"/>
+              <a:endParaRPr lang="en-US"/>
+            </a:p>
+          </p:txBody>
+        </p:sp>
+      </p:grpSp>
+      <p:pic>
+        <p:nvPicPr>
+          <p:cNvPr id="6" name="Imagen 5" descr="Icono&#10;&#10;Descripción generada automáticamente">
+            <a:extLst>
+              <a:ext uri="{FF2B5EF4-FFF2-40B4-BE49-F238E27FC236}">
+                <a16:creationId xmlns:a16="http://schemas.microsoft.com/office/drawing/2014/main" id="{3B58C861-F33D-41FF-8E5D-4835ADC5965B}"/>
+              </a:ext>
+            </a:extLst>
+          </p:cNvPr>
+          <p:cNvPicPr>
+            <a:picLocks noChangeAspect="1"/>
+          </p:cNvPicPr>
+          <p:nvPr/>
+        </p:nvPicPr>
+        <p:blipFill>
+          <a:blip r:embed="rId2">
+            <a:extLst>
+              <a:ext uri="{28A0092B-C50C-407E-A947-70E740481C1C}">
+                <a14:useLocalDpi xmlns:a14="http://schemas.microsoft.com/office/drawing/2010/main" val="0"/>
+              </a:ext>
+            </a:extLst>
+          </a:blip>
+          <a:stretch>
+            <a:fillRect/>
+          </a:stretch>
+        </p:blipFill>
+        <p:spPr>
+          <a:xfrm>
+            <a:off x="706568" y="1723838"/>
+            <a:ext cx="1963488" cy="1901155"/>
+          </a:xfrm>
+          <a:prstGeom prst="rect">
+            <a:avLst/>
+          </a:prstGeom>
+        </p:spPr>
+      </p:pic>
+      <p:grpSp>
+        <p:nvGrpSpPr>
+          <p:cNvPr id="17" name="Group 16">
+            <a:extLst>
+              <a:ext uri="{FF2B5EF4-FFF2-40B4-BE49-F238E27FC236}">
+                <a16:creationId xmlns:a16="http://schemas.microsoft.com/office/drawing/2014/main" id="{E9537076-EF48-4F72-9164-FD8260D550AC}"/>
+              </a:ext>
+              <a:ext uri="{C183D7F6-B498-43B3-948B-1728B52AA6E4}">
+                <adec:decorative xmlns:adec="http://schemas.microsoft.com/office/drawing/2017/decorative" val="1"/>
+              </a:ext>
+            </a:extLst>
+          </p:cNvPr>
+          <p:cNvGrpSpPr>
+            <a:grpSpLocks noGrp="1" noUngrp="1" noRot="1" noChangeAspect="1" noMove="1" noResize="1"/>
+          </p:cNvGrpSpPr>
+          <p:nvPr>
+            <p:extLst>
+              <p:ext uri="{386F3935-93C4-4BCD-93E2-E3B085C9AB24}">
+                <p16:designElem xmlns:p16="http://schemas.microsoft.com/office/powerpoint/2015/main" val="1"/>
+              </p:ext>
+            </p:extLst>
+          </p:nvPr>
+        </p:nvGrpSpPr>
+        <p:grpSpPr>
+          <a:xfrm>
+            <a:off x="4319434" y="699565"/>
+            <a:ext cx="3553132" cy="5156200"/>
+            <a:chOff x="7807230" y="2012810"/>
+            <a:chExt cx="3251252" cy="3459865"/>
+          </a:xfrm>
+        </p:grpSpPr>
+        <p:sp>
+          <p:nvSpPr>
+            <p:cNvPr id="18" name="Rectangle 17">
+              <a:extLst>
+                <a:ext uri="{FF2B5EF4-FFF2-40B4-BE49-F238E27FC236}">
+                  <a16:creationId xmlns:a16="http://schemas.microsoft.com/office/drawing/2014/main" id="{689673CB-C48B-4D05-B6E4-B88CD5BAA00F}"/>
+                </a:ext>
+                <a:ext uri="{C183D7F6-B498-43B3-948B-1728B52AA6E4}">
+                  <adec:decorative xmlns:adec="http://schemas.microsoft.com/office/drawing/2017/decorative" val="1"/>
+                </a:ext>
+              </a:extLst>
+            </p:cNvPr>
+            <p:cNvSpPr/>
+            <p:nvPr>
+              <p:extLst>
+                <p:ext uri="{386F3935-93C4-4BCD-93E2-E3B085C9AB24}">
+                  <p16:designElem xmlns:p16="http://schemas.microsoft.com/office/powerpoint/2015/main" val="1"/>
+                </p:ext>
+              </p:extLst>
+            </p:nvPr>
+          </p:nvSpPr>
+          <p:spPr>
+            <a:xfrm>
+              <a:off x="7807230" y="2012810"/>
+              <a:ext cx="3251252" cy="3459865"/>
+            </a:xfrm>
+            <a:prstGeom prst="rect">
+              <a:avLst/>
+            </a:prstGeom>
+            <a:gradFill>
+              <a:gsLst>
+                <a:gs pos="0">
+                  <a:srgbClr val="000001"/>
+                </a:gs>
+                <a:gs pos="100000">
+                  <a:srgbClr val="191919"/>
+                </a:gs>
+              </a:gsLst>
+            </a:gradFill>
+            <a:ln w="76200" cmpd="sng">
+              <a:noFill/>
+              <a:miter lim="800000"/>
+            </a:ln>
+            <a:effectLst>
+              <a:outerShdw blurRad="127000" dist="190500" dir="4740000" sx="98000" sy="98000" algn="tl" rotWithShape="0">
+                <a:srgbClr val="000000">
+                  <a:alpha val="34000"/>
+                </a:srgbClr>
+              </a:outerShdw>
+            </a:effectLst>
+            <a:scene3d>
+              <a:camera prst="orthographicFront"/>
+              <a:lightRig rig="threePt" dir="t"/>
+            </a:scene3d>
+            <a:sp3d>
+              <a:bevelT w="152400" h="50800" prst="softRound"/>
+            </a:sp3d>
+          </p:spPr>
+          <p:style>
+            <a:lnRef idx="1">
+              <a:schemeClr val="accent1"/>
+            </a:lnRef>
+            <a:fillRef idx="3">
+              <a:schemeClr val="accent1"/>
+            </a:fillRef>
+            <a:effectRef idx="2">
+              <a:schemeClr val="accent1"/>
+            </a:effectRef>
+            <a:fontRef idx="minor">
+              <a:schemeClr val="lt1"/>
+            </a:fontRef>
+          </p:style>
+          <p:txBody>
+            <a:bodyPr rtlCol="0" anchor="ctr"/>
+            <a:lstStyle/>
+            <a:p>
+              <a:pPr algn="ctr"/>
+              <a:endParaRPr lang="en-US"/>
+            </a:p>
+          </p:txBody>
+        </p:sp>
+        <p:sp>
+          <p:nvSpPr>
+            <p:cNvPr id="19" name="Rectangle 18">
+              <a:extLst>
+                <a:ext uri="{FF2B5EF4-FFF2-40B4-BE49-F238E27FC236}">
+                  <a16:creationId xmlns:a16="http://schemas.microsoft.com/office/drawing/2014/main" id="{96C31A20-B341-476E-8C04-A26C87E1494F}"/>
+                </a:ext>
+                <a:ext uri="{C183D7F6-B498-43B3-948B-1728B52AA6E4}">
+                  <adec:decorative xmlns:adec="http://schemas.microsoft.com/office/drawing/2017/decorative" val="1"/>
+                </a:ext>
+              </a:extLst>
+            </p:cNvPr>
+            <p:cNvSpPr/>
+            <p:nvPr>
+              <p:extLst>
+                <p:ext uri="{386F3935-93C4-4BCD-93E2-E3B085C9AB24}">
+                  <p16:designElem xmlns:p16="http://schemas.microsoft.com/office/powerpoint/2015/main" val="1"/>
+                </p:ext>
+              </p:extLst>
+            </p:nvPr>
+          </p:nvSpPr>
+          <p:spPr>
+            <a:xfrm>
+              <a:off x="7807231" y="2026142"/>
+              <a:ext cx="3251250" cy="3440203"/>
+            </a:xfrm>
+            <a:prstGeom prst="rect">
+              <a:avLst/>
+            </a:prstGeom>
+            <a:gradFill>
+              <a:gsLst>
+                <a:gs pos="0">
+                  <a:srgbClr val="DADADA"/>
+                </a:gs>
+                <a:gs pos="100000">
+                  <a:srgbClr val="FFFFFE"/>
+                </a:gs>
+              </a:gsLst>
+              <a:lin ang="16200000" scaled="0"/>
+            </a:gradFill>
+            <a:ln w="76200" cmpd="sng">
+              <a:solidFill>
+                <a:srgbClr val="191919"/>
+              </a:solidFill>
+              <a:miter lim="800000"/>
+            </a:ln>
+            <a:effectLst>
+              <a:innerShdw blurRad="63500" dist="88900" dir="14100000">
+                <a:srgbClr val="000000">
+                  <a:alpha val="30000"/>
+                </a:srgbClr>
+              </a:innerShdw>
+            </a:effectLst>
+            <a:scene3d>
+              <a:camera prst="orthographicFront"/>
+              <a:lightRig rig="threePt" dir="t"/>
+            </a:scene3d>
+            <a:sp3d>
+              <a:bevelT w="38100" h="38100" prst="relaxedInset"/>
+            </a:sp3d>
+          </p:spPr>
+          <p:style>
+            <a:lnRef idx="1">
+              <a:schemeClr val="accent1"/>
+            </a:lnRef>
+            <a:fillRef idx="3">
+              <a:schemeClr val="accent1"/>
+            </a:fillRef>
+            <a:effectRef idx="2">
+              <a:schemeClr val="accent1"/>
+            </a:effectRef>
+            <a:fontRef idx="minor">
+              <a:schemeClr val="lt1"/>
+            </a:fontRef>
+          </p:style>
+          <p:txBody>
+            <a:bodyPr rtlCol="0" anchor="ctr"/>
+            <a:lstStyle/>
+            <a:p>
+              <a:pPr algn="ctr"/>
+              <a:endParaRPr lang="en-US"/>
+            </a:p>
+          </p:txBody>
+        </p:sp>
+      </p:grpSp>
+      <p:pic>
+        <p:nvPicPr>
+          <p:cNvPr id="5" name="Imagen 4" descr="Icono&#10;&#10;Descripción generada automáticamente">
+            <a:extLst>
+              <a:ext uri="{FF2B5EF4-FFF2-40B4-BE49-F238E27FC236}">
+                <a16:creationId xmlns:a16="http://schemas.microsoft.com/office/drawing/2014/main" id="{03C5A014-218C-4D36-A78A-ED13464767A2}"/>
+              </a:ext>
+            </a:extLst>
+          </p:cNvPr>
+          <p:cNvPicPr>
+            <a:picLocks noChangeAspect="1"/>
+          </p:cNvPicPr>
+          <p:nvPr/>
+        </p:nvPicPr>
+        <p:blipFill>
+          <a:blip r:embed="rId3">
+            <a:extLst>
+              <a:ext uri="{28A0092B-C50C-407E-A947-70E740481C1C}">
+                <a14:useLocalDpi xmlns:a14="http://schemas.microsoft.com/office/drawing/2010/main" val="0"/>
+              </a:ext>
+            </a:extLst>
+          </a:blip>
+          <a:stretch>
+            <a:fillRect/>
+          </a:stretch>
+        </p:blipFill>
+        <p:spPr>
+          <a:xfrm>
+            <a:off x="4487333" y="1723838"/>
+            <a:ext cx="1963488" cy="1901155"/>
+          </a:xfrm>
+          <a:prstGeom prst="rect">
+            <a:avLst/>
+          </a:prstGeom>
+        </p:spPr>
+      </p:pic>
+      <p:grpSp>
+        <p:nvGrpSpPr>
+          <p:cNvPr id="21" name="Group 20">
+            <a:extLst>
+              <a:ext uri="{FF2B5EF4-FFF2-40B4-BE49-F238E27FC236}">
+                <a16:creationId xmlns:a16="http://schemas.microsoft.com/office/drawing/2014/main" id="{6EFC3492-86BD-4D75-B5B4-C2DBFE0BD106}"/>
+              </a:ext>
+              <a:ext uri="{C183D7F6-B498-43B3-948B-1728B52AA6E4}">
+                <adec:decorative xmlns:adec="http://schemas.microsoft.com/office/drawing/2017/decorative" val="1"/>
+              </a:ext>
+            </a:extLst>
+          </p:cNvPr>
+          <p:cNvGrpSpPr>
+            <a:grpSpLocks noGrp="1" noUngrp="1" noRot="1" noChangeAspect="1" noMove="1" noResize="1"/>
+          </p:cNvGrpSpPr>
+          <p:nvPr>
+            <p:extLst>
+              <p:ext uri="{386F3935-93C4-4BCD-93E2-E3B085C9AB24}">
+                <p16:designElem xmlns:p16="http://schemas.microsoft.com/office/powerpoint/2015/main" val="1"/>
+              </p:ext>
+            </p:extLst>
+          </p:nvPr>
+        </p:nvGrpSpPr>
+        <p:grpSpPr>
+          <a:xfrm>
+            <a:off x="8104093" y="699565"/>
+            <a:ext cx="3553132" cy="5156200"/>
+            <a:chOff x="7807230" y="2012810"/>
+            <a:chExt cx="3251252" cy="3459865"/>
+          </a:xfrm>
+        </p:grpSpPr>
+        <p:sp>
+          <p:nvSpPr>
+            <p:cNvPr id="22" name="Rectangle 21">
+              <a:extLst>
+                <a:ext uri="{FF2B5EF4-FFF2-40B4-BE49-F238E27FC236}">
+                  <a16:creationId xmlns:a16="http://schemas.microsoft.com/office/drawing/2014/main" id="{F72E5074-2516-4705-BFF1-F508394A0AC6}"/>
+                </a:ext>
+                <a:ext uri="{C183D7F6-B498-43B3-948B-1728B52AA6E4}">
+                  <adec:decorative xmlns:adec="http://schemas.microsoft.com/office/drawing/2017/decorative" val="1"/>
+                </a:ext>
+              </a:extLst>
+            </p:cNvPr>
+            <p:cNvSpPr/>
+            <p:nvPr>
+              <p:extLst>
+                <p:ext uri="{386F3935-93C4-4BCD-93E2-E3B085C9AB24}">
+                  <p16:designElem xmlns:p16="http://schemas.microsoft.com/office/powerpoint/2015/main" val="1"/>
+                </p:ext>
+              </p:extLst>
+            </p:nvPr>
+          </p:nvSpPr>
+          <p:spPr>
+            <a:xfrm>
+              <a:off x="7807230" y="2012810"/>
+              <a:ext cx="3251252" cy="3459865"/>
+            </a:xfrm>
+            <a:prstGeom prst="rect">
+              <a:avLst/>
+            </a:prstGeom>
+            <a:gradFill>
+              <a:gsLst>
+                <a:gs pos="0">
+                  <a:srgbClr val="000001"/>
+                </a:gs>
+                <a:gs pos="100000">
+                  <a:srgbClr val="191919"/>
+                </a:gs>
+              </a:gsLst>
+            </a:gradFill>
+            <a:ln w="76200" cmpd="sng">
+              <a:noFill/>
+              <a:miter lim="800000"/>
+            </a:ln>
+            <a:effectLst>
+              <a:outerShdw blurRad="127000" dist="190500" dir="4740000" sx="98000" sy="98000" algn="tl" rotWithShape="0">
+                <a:srgbClr val="000000">
+                  <a:alpha val="34000"/>
+                </a:srgbClr>
+              </a:outerShdw>
+            </a:effectLst>
+            <a:scene3d>
+              <a:camera prst="orthographicFront"/>
+              <a:lightRig rig="threePt" dir="t"/>
+            </a:scene3d>
+            <a:sp3d>
+              <a:bevelT w="152400" h="50800" prst="softRound"/>
+            </a:sp3d>
+          </p:spPr>
+          <p:style>
+            <a:lnRef idx="1">
+              <a:schemeClr val="accent1"/>
+            </a:lnRef>
+            <a:fillRef idx="3">
+              <a:schemeClr val="accent1"/>
+            </a:fillRef>
+            <a:effectRef idx="2">
+              <a:schemeClr val="accent1"/>
+            </a:effectRef>
+            <a:fontRef idx="minor">
+              <a:schemeClr val="lt1"/>
+            </a:fontRef>
+          </p:style>
+          <p:txBody>
+            <a:bodyPr rtlCol="0" anchor="ctr"/>
+            <a:lstStyle/>
+            <a:p>
+              <a:pPr algn="ctr"/>
+              <a:endParaRPr lang="en-US"/>
+            </a:p>
+          </p:txBody>
+        </p:sp>
+        <p:sp>
+          <p:nvSpPr>
+            <p:cNvPr id="23" name="Rectangle 22">
+              <a:extLst>
+                <a:ext uri="{FF2B5EF4-FFF2-40B4-BE49-F238E27FC236}">
+                  <a16:creationId xmlns:a16="http://schemas.microsoft.com/office/drawing/2014/main" id="{02259E4C-F24C-4180-AEC3-76255D535E2C}"/>
+                </a:ext>
+                <a:ext uri="{C183D7F6-B498-43B3-948B-1728B52AA6E4}">
+                  <adec:decorative xmlns:adec="http://schemas.microsoft.com/office/drawing/2017/decorative" val="1"/>
+                </a:ext>
+              </a:extLst>
+            </p:cNvPr>
+            <p:cNvSpPr/>
+            <p:nvPr>
+              <p:extLst>
+                <p:ext uri="{386F3935-93C4-4BCD-93E2-E3B085C9AB24}">
+                  <p16:designElem xmlns:p16="http://schemas.microsoft.com/office/powerpoint/2015/main" val="1"/>
+                </p:ext>
+              </p:extLst>
+            </p:nvPr>
+          </p:nvSpPr>
+          <p:spPr>
+            <a:xfrm>
+              <a:off x="7807231" y="2026142"/>
+              <a:ext cx="3251250" cy="3440203"/>
+            </a:xfrm>
+            <a:prstGeom prst="rect">
+              <a:avLst/>
+            </a:prstGeom>
+            <a:gradFill>
+              <a:gsLst>
+                <a:gs pos="0">
+                  <a:srgbClr val="DADADA"/>
+                </a:gs>
+                <a:gs pos="100000">
+                  <a:srgbClr val="FFFFFE"/>
+                </a:gs>
+              </a:gsLst>
+              <a:lin ang="16200000" scaled="0"/>
+            </a:gradFill>
+            <a:ln w="76200" cmpd="sng">
+              <a:solidFill>
+                <a:srgbClr val="191919"/>
+              </a:solidFill>
+              <a:miter lim="800000"/>
+            </a:ln>
+            <a:effectLst>
+              <a:innerShdw blurRad="63500" dist="88900" dir="14100000">
+                <a:srgbClr val="000000">
+                  <a:alpha val="30000"/>
+                </a:srgbClr>
+              </a:innerShdw>
+            </a:effectLst>
+            <a:scene3d>
+              <a:camera prst="orthographicFront"/>
+              <a:lightRig rig="threePt" dir="t"/>
+            </a:scene3d>
+            <a:sp3d>
+              <a:bevelT w="38100" h="38100" prst="relaxedInset"/>
+            </a:sp3d>
+          </p:spPr>
+          <p:style>
+            <a:lnRef idx="1">
+              <a:schemeClr val="accent1"/>
+            </a:lnRef>
+            <a:fillRef idx="3">
+              <a:schemeClr val="accent1"/>
+            </a:fillRef>
+            <a:effectRef idx="2">
+              <a:schemeClr val="accent1"/>
+            </a:effectRef>
+            <a:fontRef idx="minor">
+              <a:schemeClr val="lt1"/>
+            </a:fontRef>
+          </p:style>
+          <p:txBody>
+            <a:bodyPr rtlCol="0" anchor="ctr"/>
+            <a:lstStyle/>
+            <a:p>
+              <a:pPr algn="ctr"/>
+              <a:endParaRPr lang="en-US"/>
+            </a:p>
+          </p:txBody>
+        </p:sp>
+      </p:grpSp>
+      <p:pic>
+        <p:nvPicPr>
+          <p:cNvPr id="3" name="Picture 2" descr="PS4 - CompetitiveController">
+            <a:extLst>
+              <a:ext uri="{FF2B5EF4-FFF2-40B4-BE49-F238E27FC236}">
+                <a16:creationId xmlns:a16="http://schemas.microsoft.com/office/drawing/2014/main" id="{68A7A3A3-4A3A-4AE3-A394-BECF9A2647AC}"/>
+              </a:ext>
+            </a:extLst>
+          </p:cNvPr>
+          <p:cNvPicPr>
+            <a:picLocks noChangeAspect="1" noChangeArrowheads="1"/>
+          </p:cNvPicPr>
+          <p:nvPr/>
+        </p:nvPicPr>
+        <p:blipFill rotWithShape="1">
+          <a:blip r:embed="rId4">
+            <a:extLst>
+              <a:ext uri="{28A0092B-C50C-407E-A947-70E740481C1C}">
+                <a14:useLocalDpi xmlns:a14="http://schemas.microsoft.com/office/drawing/2010/main" val="0"/>
+              </a:ext>
+            </a:extLst>
+          </a:blip>
+          <a:srcRect l="3529" t="16667" r="50000" b="37804"/>
+          <a:stretch/>
+        </p:blipFill>
+        <p:spPr bwMode="auto">
+          <a:xfrm>
+            <a:off x="8275887" y="2437771"/>
+            <a:ext cx="1963488" cy="1027636"/>
+          </a:xfrm>
+          <a:prstGeom prst="rect">
+            <a:avLst/>
+          </a:prstGeom>
+          <a:noFill/>
+          <a:extLst>
+            <a:ext uri="{909E8E84-426E-40DD-AFC4-6F175D3DCCD1}">
+              <a14:hiddenFill xmlns:a14="http://schemas.microsoft.com/office/drawing/2010/main">
+                <a:solidFill>
+                  <a:srgbClr val="FFFFFF"/>
+                </a:solidFill>
+              </a14:hiddenFill>
+            </a:ext>
+          </a:extLst>
+        </p:spPr>
+      </p:pic>
+      <p:pic>
+        <p:nvPicPr>
+          <p:cNvPr id="4" name="Picture 12" descr="Descargar Luces de Policia – APK de Aplicaciones Gratis">
+            <a:extLst>
+              <a:ext uri="{FF2B5EF4-FFF2-40B4-BE49-F238E27FC236}">
+                <a16:creationId xmlns:a16="http://schemas.microsoft.com/office/drawing/2014/main" id="{4DB0E3F4-0168-40AC-B233-FAC828CBA667}"/>
+              </a:ext>
+            </a:extLst>
+          </p:cNvPr>
+          <p:cNvPicPr>
+            <a:picLocks noChangeAspect="1" noChangeArrowheads="1"/>
+          </p:cNvPicPr>
+          <p:nvPr/>
+        </p:nvPicPr>
+        <p:blipFill rotWithShape="1">
+          <a:blip r:embed="rId5">
+            <a:extLst>
+              <a:ext uri="{28A0092B-C50C-407E-A947-70E740481C1C}">
+                <a14:useLocalDpi xmlns:a14="http://schemas.microsoft.com/office/drawing/2010/main" val="0"/>
+              </a:ext>
+            </a:extLst>
+          </a:blip>
+          <a:srcRect l="21979" t="30029" r="22981" b="37389"/>
+          <a:stretch/>
+        </p:blipFill>
+        <p:spPr bwMode="auto">
+          <a:xfrm>
+            <a:off x="536960" y="673783"/>
+            <a:ext cx="540000" cy="570817"/>
+          </a:xfrm>
+          <a:prstGeom prst="rect">
+            <a:avLst/>
+          </a:prstGeom>
+          <a:noFill/>
+          <a:extLst>
+            <a:ext uri="{909E8E84-426E-40DD-AFC4-6F175D3DCCD1}">
+              <a14:hiddenFill xmlns:a14="http://schemas.microsoft.com/office/drawing/2010/main">
+                <a:solidFill>
+                  <a:srgbClr val="FFFFFF"/>
+                </a:solidFill>
+              </a14:hiddenFill>
+            </a:ext>
+          </a:extLst>
+        </p:spPr>
+      </p:pic>
+    </p:spTree>
+    <p:extLst>
+      <p:ext uri="{BB962C8B-B14F-4D97-AF65-F5344CB8AC3E}">
+        <p14:creationId xmlns:p14="http://schemas.microsoft.com/office/powerpoint/2010/main" val="1436895115"/>
+      </p:ext>
+    </p:extLst>
+  </p:cSld>
+  <p:clrMapOvr>
+    <a:masterClrMapping/>
+  </p:clrMapOvr>
+</p:sld>
+</file>
+
+<file path=ppt/slides/slide3.xml><?xml version="1.0" encoding="utf-8"?>
 <p:sld xmlns:a="http://schemas.openxmlformats.org/drawingml/2006/main" xmlns:r="http://schemas.openxmlformats.org/officeDocument/2006/relationships" xmlns:p="http://schemas.openxmlformats.org/presentationml/2006/main">
+  <p:cSld>
+    <p:spTree>
+      <p:nvGrpSpPr>
+        <p:cNvPr id="1" name=""/>
+        <p:cNvGrpSpPr/>
+        <p:nvPr/>
+      </p:nvGrpSpPr>
+      <p:grpSpPr>
+        <a:xfrm>
+          <a:off x="0" y="0"/>
+          <a:ext cx="0" cy="0"/>
+          <a:chOff x="0" y="0"/>
+          <a:chExt cx="0" cy="0"/>
+        </a:xfrm>
+      </p:grpSpPr>
+      <p:grpSp>
+        <p:nvGrpSpPr>
+          <p:cNvPr id="8" name="Grupo 7">
+            <a:extLst>
+              <a:ext uri="{FF2B5EF4-FFF2-40B4-BE49-F238E27FC236}">
+                <a16:creationId xmlns:a16="http://schemas.microsoft.com/office/drawing/2014/main" id="{B600B6E1-CE33-4F60-8FDF-489FB2187168}"/>
+              </a:ext>
+            </a:extLst>
+          </p:cNvPr>
+          <p:cNvGrpSpPr/>
+          <p:nvPr/>
+        </p:nvGrpSpPr>
+        <p:grpSpPr>
+          <a:xfrm>
+            <a:off x="4863620" y="3246074"/>
+            <a:ext cx="1080872" cy="939848"/>
+            <a:chOff x="4863620" y="3246074"/>
+            <a:chExt cx="1080872" cy="939848"/>
+          </a:xfrm>
+        </p:grpSpPr>
+        <p:pic>
+          <p:nvPicPr>
+            <p:cNvPr id="5" name="Imagen 4" descr="Icono&#10;&#10;Descripción generada automáticamente">
+              <a:extLst>
+                <a:ext uri="{FF2B5EF4-FFF2-40B4-BE49-F238E27FC236}">
+                  <a16:creationId xmlns:a16="http://schemas.microsoft.com/office/drawing/2014/main" id="{0433F8BE-2527-4F76-9808-17A80B522D8F}"/>
+                </a:ext>
+              </a:extLst>
+            </p:cNvPr>
+            <p:cNvPicPr>
+              <a:picLocks noChangeAspect="1"/>
+            </p:cNvPicPr>
+            <p:nvPr/>
+          </p:nvPicPr>
+          <p:blipFill>
+            <a:blip r:embed="rId2">
+              <a:extLst>
+                <a:ext uri="{28A0092B-C50C-407E-A947-70E740481C1C}">
+                  <a14:useLocalDpi xmlns:a14="http://schemas.microsoft.com/office/drawing/2010/main" val="0"/>
+                </a:ext>
+              </a:extLst>
+            </a:blip>
+            <a:stretch>
+              <a:fillRect/>
+            </a:stretch>
+          </p:blipFill>
+          <p:spPr>
+            <a:xfrm>
+              <a:off x="4863620" y="3246074"/>
+              <a:ext cx="990651" cy="939848"/>
+            </a:xfrm>
+            <a:prstGeom prst="rect">
+              <a:avLst/>
+            </a:prstGeom>
+          </p:spPr>
+        </p:pic>
+        <p:sp>
+          <p:nvSpPr>
+            <p:cNvPr id="6" name="Signo de multiplicación 5">
+              <a:extLst>
+                <a:ext uri="{FF2B5EF4-FFF2-40B4-BE49-F238E27FC236}">
+                  <a16:creationId xmlns:a16="http://schemas.microsoft.com/office/drawing/2014/main" id="{B80D7EAD-8F69-46C0-B9EC-64117BE152A1}"/>
+                </a:ext>
+              </a:extLst>
+            </p:cNvPr>
+            <p:cNvSpPr>
+              <a:spLocks noChangeAspect="1"/>
+            </p:cNvSpPr>
+            <p:nvPr/>
+          </p:nvSpPr>
+          <p:spPr>
+            <a:xfrm>
+              <a:off x="5291665" y="3389584"/>
+              <a:ext cx="652827" cy="652827"/>
+            </a:xfrm>
+            <a:prstGeom prst="mathMultiply">
+              <a:avLst>
+                <a:gd name="adj1" fmla="val 5363"/>
+              </a:avLst>
+            </a:prstGeom>
+            <a:solidFill>
+              <a:srgbClr val="FF0000"/>
+            </a:solidFill>
+            <a:ln>
+              <a:solidFill>
+                <a:srgbClr val="FF0000"/>
+              </a:solidFill>
+            </a:ln>
+          </p:spPr>
+          <p:style>
+            <a:lnRef idx="2">
+              <a:schemeClr val="accent1">
+                <a:shade val="50000"/>
+              </a:schemeClr>
+            </a:lnRef>
+            <a:fillRef idx="1">
+              <a:schemeClr val="accent1"/>
+            </a:fillRef>
+            <a:effectRef idx="0">
+              <a:schemeClr val="accent1"/>
+            </a:effectRef>
+            <a:fontRef idx="minor">
+              <a:schemeClr val="lt1"/>
+            </a:fontRef>
+          </p:style>
+          <p:txBody>
+            <a:bodyPr rtlCol="0" anchor="ctr"/>
+            <a:lstStyle/>
+            <a:p>
+              <a:pPr algn="ctr"/>
+              <a:endParaRPr lang="es-ES"/>
+            </a:p>
+          </p:txBody>
+        </p:sp>
+      </p:grpSp>
+      <p:pic>
+        <p:nvPicPr>
+          <p:cNvPr id="7" name="Imagen 6" descr="Icono&#10;&#10;Descripción generada automáticamente">
+            <a:extLst>
+              <a:ext uri="{FF2B5EF4-FFF2-40B4-BE49-F238E27FC236}">
+                <a16:creationId xmlns:a16="http://schemas.microsoft.com/office/drawing/2014/main" id="{F3391EEE-BF26-4AFE-8DBC-FC99194DC392}"/>
+              </a:ext>
+            </a:extLst>
+          </p:cNvPr>
+          <p:cNvPicPr>
+            <a:picLocks noChangeAspect="1"/>
+          </p:cNvPicPr>
+          <p:nvPr/>
+        </p:nvPicPr>
+        <p:blipFill>
+          <a:blip r:embed="rId2">
+            <a:extLst>
+              <a:ext uri="{28A0092B-C50C-407E-A947-70E740481C1C}">
+                <a14:useLocalDpi xmlns:a14="http://schemas.microsoft.com/office/drawing/2010/main" val="0"/>
+              </a:ext>
+            </a:extLst>
+          </a:blip>
+          <a:stretch>
+            <a:fillRect/>
+          </a:stretch>
+        </p:blipFill>
+        <p:spPr>
+          <a:xfrm>
+            <a:off x="6372537" y="3253060"/>
+            <a:ext cx="990651" cy="939848"/>
+          </a:xfrm>
+          <a:prstGeom prst="rect">
+            <a:avLst/>
+          </a:prstGeom>
+        </p:spPr>
+      </p:pic>
+      <p:sp>
+        <p:nvSpPr>
+          <p:cNvPr id="9" name="Flecha: a la derecha 8">
+            <a:extLst>
+              <a:ext uri="{FF2B5EF4-FFF2-40B4-BE49-F238E27FC236}">
+                <a16:creationId xmlns:a16="http://schemas.microsoft.com/office/drawing/2014/main" id="{FF6CFE91-ED49-48F8-93F7-4E60485C627B}"/>
+              </a:ext>
+            </a:extLst>
+          </p:cNvPr>
+          <p:cNvSpPr/>
+          <p:nvPr/>
+        </p:nvSpPr>
+        <p:spPr>
+          <a:xfrm rot="10800000">
+            <a:off x="2200718" y="1038523"/>
+            <a:ext cx="1744748" cy="1899410"/>
+          </a:xfrm>
+          <a:prstGeom prst="rightArrow">
+            <a:avLst/>
+          </a:prstGeom>
+        </p:spPr>
+        <p:style>
+          <a:lnRef idx="2">
+            <a:schemeClr val="accent4">
+              <a:shade val="50000"/>
+            </a:schemeClr>
+          </a:lnRef>
+          <a:fillRef idx="1">
+            <a:schemeClr val="accent4"/>
+          </a:fillRef>
+          <a:effectRef idx="0">
+            <a:schemeClr val="accent4"/>
+          </a:effectRef>
+          <a:fontRef idx="minor">
+            <a:schemeClr val="lt1"/>
+          </a:fontRef>
+        </p:style>
+        <p:txBody>
+          <a:bodyPr rtlCol="0" anchor="ctr"/>
+          <a:lstStyle/>
+          <a:p>
+            <a:pPr algn="ctr"/>
+            <a:endParaRPr lang="es-ES"/>
+          </a:p>
+        </p:txBody>
+      </p:sp>
+    </p:spTree>
+    <p:extLst>
+      <p:ext uri="{BB962C8B-B14F-4D97-AF65-F5344CB8AC3E}">
+        <p14:creationId xmlns:p14="http://schemas.microsoft.com/office/powerpoint/2010/main" val="3923908295"/>
+      </p:ext>
+    </p:extLst>
+  </p:cSld>
+  <p:clrMapOvr>
+    <a:masterClrMapping/>
+  </p:clrMapOvr>
+</p:sld>
+</file>
+
+<file path=ppt/slides/slide4.xml><?xml version="1.0" encoding="utf-8"?>
+<p:sld xmlns:a="http://schemas.openxmlformats.org/drawingml/2006/main" xmlns:r="http://schemas.openxmlformats.org/officeDocument/2006/relationships" xmlns:p="http://schemas.openxmlformats.org/presentationml/2006/main" showMasterSp="0">
   <p:cSld>
     <p:spTree>
       <p:nvGrpSpPr>
@@ -5979,10 +7413,40 @@
       </p:grpSpPr>
       <p:pic>
         <p:nvPicPr>
-          <p:cNvPr id="4" name="Picture 12" descr="Descargar Luces de Policia – APK de Aplicaciones Gratis">
-            <a:extLst>
-              <a:ext uri="{FF2B5EF4-FFF2-40B4-BE49-F238E27FC236}">
-                <a16:creationId xmlns:a16="http://schemas.microsoft.com/office/drawing/2014/main" id="{4DB0E3F4-0168-40AC-B233-FAC828CBA667}"/>
+          <p:cNvPr id="5" name="Imagen 4">
+            <a:extLst>
+              <a:ext uri="{FF2B5EF4-FFF2-40B4-BE49-F238E27FC236}">
+                <a16:creationId xmlns:a16="http://schemas.microsoft.com/office/drawing/2014/main" id="{5B4F1C96-E1E5-4F85-9FCD-C27ACEC0438C}"/>
+              </a:ext>
+            </a:extLst>
+          </p:cNvPr>
+          <p:cNvPicPr>
+            <a:picLocks noChangeAspect="1"/>
+          </p:cNvPicPr>
+          <p:nvPr/>
+        </p:nvPicPr>
+        <p:blipFill>
+          <a:blip r:embed="rId2"/>
+          <a:stretch>
+            <a:fillRect/>
+          </a:stretch>
+        </p:blipFill>
+        <p:spPr>
+          <a:xfrm>
+            <a:off x="1958434" y="3129281"/>
+            <a:ext cx="8476214" cy="3242150"/>
+          </a:xfrm>
+          <a:prstGeom prst="rect">
+            <a:avLst/>
+          </a:prstGeom>
+        </p:spPr>
+      </p:pic>
+      <p:pic>
+        <p:nvPicPr>
+          <p:cNvPr id="1026" name="Picture 2">
+            <a:extLst>
+              <a:ext uri="{FF2B5EF4-FFF2-40B4-BE49-F238E27FC236}">
+                <a16:creationId xmlns:a16="http://schemas.microsoft.com/office/drawing/2014/main" id="{7F55EF0F-6815-4074-8C1C-5DE5113826F0}"/>
               </a:ext>
             </a:extLst>
           </p:cNvPr>
@@ -5991,21 +7455,22 @@
           </p:cNvPicPr>
           <p:nvPr/>
         </p:nvPicPr>
-        <p:blipFill rotWithShape="1">
-          <a:blip r:embed="rId2">
+        <p:blipFill>
+          <a:blip r:embed="rId3">
             <a:extLst>
               <a:ext uri="{28A0092B-C50C-407E-A947-70E740481C1C}">
                 <a14:useLocalDpi xmlns:a14="http://schemas.microsoft.com/office/drawing/2010/main" val="0"/>
               </a:ext>
             </a:extLst>
           </a:blip>
-          <a:srcRect l="21979" t="30029" r="22981" b="37389"/>
-          <a:stretch/>
+          <a:stretch>
+            <a:fillRect/>
+          </a:stretch>
         </p:blipFill>
         <p:spPr bwMode="auto">
           <a:xfrm>
-            <a:off x="5556000" y="2858183"/>
-            <a:ext cx="540000" cy="570817"/>
+            <a:off x="2621372" y="413014"/>
+            <a:ext cx="7150339" cy="2556245"/>
           </a:xfrm>
           <a:prstGeom prst="rect">
             <a:avLst/>
@@ -6025,7 +7490,7 @@
     </p:spTree>
     <p:extLst>
       <p:ext uri="{BB962C8B-B14F-4D97-AF65-F5344CB8AC3E}">
-        <p14:creationId xmlns:p14="http://schemas.microsoft.com/office/powerpoint/2010/main" val="1436895115"/>
+        <p14:creationId xmlns:p14="http://schemas.microsoft.com/office/powerpoint/2010/main" val="2440453303"/>
       </p:ext>
     </p:extLst>
   </p:cSld>

--- a/Documentació/App - Cuadro de mandos.pptx
+++ b/Documentació/App - Cuadro de mandos.pptx
@@ -262,7 +262,7 @@
           <a:p>
             <a:fld id="{26B6B77F-3E34-4400-8A8C-30C29A0AC8E1}" type="datetimeFigureOut">
               <a:rPr lang="es-ES" smtClean="0"/>
-              <a:t>15/04/2022</a:t>
+              <a:t>22/04/2022</a:t>
             </a:fld>
             <a:endParaRPr lang="es-ES"/>
           </a:p>
@@ -460,7 +460,7 @@
           <a:p>
             <a:fld id="{26B6B77F-3E34-4400-8A8C-30C29A0AC8E1}" type="datetimeFigureOut">
               <a:rPr lang="es-ES" smtClean="0"/>
-              <a:t>15/04/2022</a:t>
+              <a:t>22/04/2022</a:t>
             </a:fld>
             <a:endParaRPr lang="es-ES"/>
           </a:p>
@@ -668,7 +668,7 @@
           <a:p>
             <a:fld id="{26B6B77F-3E34-4400-8A8C-30C29A0AC8E1}" type="datetimeFigureOut">
               <a:rPr lang="es-ES" smtClean="0"/>
-              <a:t>15/04/2022</a:t>
+              <a:t>22/04/2022</a:t>
             </a:fld>
             <a:endParaRPr lang="es-ES"/>
           </a:p>
@@ -866,7 +866,7 @@
           <a:p>
             <a:fld id="{26B6B77F-3E34-4400-8A8C-30C29A0AC8E1}" type="datetimeFigureOut">
               <a:rPr lang="es-ES" smtClean="0"/>
-              <a:t>15/04/2022</a:t>
+              <a:t>22/04/2022</a:t>
             </a:fld>
             <a:endParaRPr lang="es-ES"/>
           </a:p>
@@ -1141,7 +1141,7 @@
           <a:p>
             <a:fld id="{26B6B77F-3E34-4400-8A8C-30C29A0AC8E1}" type="datetimeFigureOut">
               <a:rPr lang="es-ES" smtClean="0"/>
-              <a:t>15/04/2022</a:t>
+              <a:t>22/04/2022</a:t>
             </a:fld>
             <a:endParaRPr lang="es-ES"/>
           </a:p>
@@ -1406,7 +1406,7 @@
           <a:p>
             <a:fld id="{26B6B77F-3E34-4400-8A8C-30C29A0AC8E1}" type="datetimeFigureOut">
               <a:rPr lang="es-ES" smtClean="0"/>
-              <a:t>15/04/2022</a:t>
+              <a:t>22/04/2022</a:t>
             </a:fld>
             <a:endParaRPr lang="es-ES"/>
           </a:p>
@@ -1818,7 +1818,7 @@
           <a:p>
             <a:fld id="{26B6B77F-3E34-4400-8A8C-30C29A0AC8E1}" type="datetimeFigureOut">
               <a:rPr lang="es-ES" smtClean="0"/>
-              <a:t>15/04/2022</a:t>
+              <a:t>22/04/2022</a:t>
             </a:fld>
             <a:endParaRPr lang="es-ES"/>
           </a:p>
@@ -1959,7 +1959,7 @@
           <a:p>
             <a:fld id="{26B6B77F-3E34-4400-8A8C-30C29A0AC8E1}" type="datetimeFigureOut">
               <a:rPr lang="es-ES" smtClean="0"/>
-              <a:t>15/04/2022</a:t>
+              <a:t>22/04/2022</a:t>
             </a:fld>
             <a:endParaRPr lang="es-ES"/>
           </a:p>
@@ -2072,7 +2072,7 @@
           <a:p>
             <a:fld id="{26B6B77F-3E34-4400-8A8C-30C29A0AC8E1}" type="datetimeFigureOut">
               <a:rPr lang="es-ES" smtClean="0"/>
-              <a:t>15/04/2022</a:t>
+              <a:t>22/04/2022</a:t>
             </a:fld>
             <a:endParaRPr lang="es-ES"/>
           </a:p>
@@ -2383,7 +2383,7 @@
           <a:p>
             <a:fld id="{26B6B77F-3E34-4400-8A8C-30C29A0AC8E1}" type="datetimeFigureOut">
               <a:rPr lang="es-ES" smtClean="0"/>
-              <a:t>15/04/2022</a:t>
+              <a:t>22/04/2022</a:t>
             </a:fld>
             <a:endParaRPr lang="es-ES"/>
           </a:p>
@@ -2671,7 +2671,7 @@
           <a:p>
             <a:fld id="{26B6B77F-3E34-4400-8A8C-30C29A0AC8E1}" type="datetimeFigureOut">
               <a:rPr lang="es-ES" smtClean="0"/>
-              <a:t>15/04/2022</a:t>
+              <a:t>22/04/2022</a:t>
             </a:fld>
             <a:endParaRPr lang="es-ES"/>
           </a:p>
@@ -2915,7 +2915,7 @@
           <a:p>
             <a:fld id="{26B6B77F-3E34-4400-8A8C-30C29A0AC8E1}" type="datetimeFigureOut">
               <a:rPr lang="es-ES" smtClean="0"/>
-              <a:t>15/04/2022</a:t>
+              <a:t>22/04/2022</a:t>
             </a:fld>
             <a:endParaRPr lang="es-ES"/>
           </a:p>
@@ -6325,8 +6325,16 @@
 </file>
 
 <file path=ppt/slides/slide2.xml><?xml version="1.0" encoding="utf-8"?>
-<p:sld xmlns:a="http://schemas.openxmlformats.org/drawingml/2006/main" xmlns:r="http://schemas.openxmlformats.org/officeDocument/2006/relationships" xmlns:p="http://schemas.openxmlformats.org/presentationml/2006/main" showMasterSp="0">
+<p:sld xmlns:a="http://schemas.openxmlformats.org/drawingml/2006/main" xmlns:r="http://schemas.openxmlformats.org/officeDocument/2006/relationships" xmlns:p="http://schemas.openxmlformats.org/presentationml/2006/main">
   <p:cSld>
+    <p:bg>
+      <p:bgPr>
+        <a:solidFill>
+          <a:schemeClr val="bg1"/>
+        </a:solidFill>
+        <a:effectLst/>
+      </p:bgPr>
+    </p:bg>
     <p:spTree>
       <p:nvGrpSpPr>
         <p:cNvPr id="1" name=""/>
@@ -6343,10 +6351,10 @@
       </p:grpSpPr>
       <p:sp useBgFill="1">
         <p:nvSpPr>
-          <p:cNvPr id="11" name="Rectangle 10">
-            <a:extLst>
-              <a:ext uri="{FF2B5EF4-FFF2-40B4-BE49-F238E27FC236}">
-                <a16:creationId xmlns:a16="http://schemas.microsoft.com/office/drawing/2014/main" id="{C96C8BAF-68F3-4B78-B238-35DF5D86560D}"/>
+          <p:cNvPr id="47" name="Rectangle 46">
+            <a:extLst>
+              <a:ext uri="{FF2B5EF4-FFF2-40B4-BE49-F238E27FC236}">
+                <a16:creationId xmlns:a16="http://schemas.microsoft.com/office/drawing/2014/main" id="{2D2B266D-3625-4584-A5C3-7D3F672CFF30}"/>
               </a:ext>
               <a:ext uri="{C183D7F6-B498-43B3-948B-1728B52AA6E4}">
                 <adec:decorative xmlns:adec="http://schemas.microsoft.com/office/drawing/2017/decorative" val="1"/>
@@ -6367,7 +6375,7 @@
         <p:spPr>
           <a:xfrm>
             <a:off x="0" y="0"/>
-            <a:ext cx="12192000" cy="6858000"/>
+            <a:ext cx="12188952" cy="6858000"/>
           </a:xfrm>
           <a:prstGeom prst="rect">
             <a:avLst/>
@@ -6401,21 +6409,21 @@
           </a:p>
         </p:txBody>
       </p:sp>
-      <p:grpSp>
-        <p:nvGrpSpPr>
-          <p:cNvPr id="13" name="Group 12">
-            <a:extLst>
-              <a:ext uri="{FF2B5EF4-FFF2-40B4-BE49-F238E27FC236}">
-                <a16:creationId xmlns:a16="http://schemas.microsoft.com/office/drawing/2014/main" id="{4F4CD6D0-5A87-4BA2-A13A-0E40511C3CFA}"/>
+      <p:sp>
+        <p:nvSpPr>
+          <p:cNvPr id="49" name="Rectangle 48">
+            <a:extLst>
+              <a:ext uri="{FF2B5EF4-FFF2-40B4-BE49-F238E27FC236}">
+                <a16:creationId xmlns:a16="http://schemas.microsoft.com/office/drawing/2014/main" id="{C463B99A-73EE-4FBB-B7C4-F9F9BCC25C65}"/>
               </a:ext>
               <a:ext uri="{C183D7F6-B498-43B3-948B-1728B52AA6E4}">
                 <adec:decorative xmlns:adec="http://schemas.microsoft.com/office/drawing/2017/decorative" val="1"/>
               </a:ext>
             </a:extLst>
           </p:cNvPr>
-          <p:cNvGrpSpPr>
-            <a:grpSpLocks noGrp="1" noUngrp="1" noRot="1" noChangeAspect="1" noMove="1" noResize="1"/>
-          </p:cNvGrpSpPr>
+          <p:cNvSpPr>
+            <a:spLocks noGrp="1" noRot="1" noChangeAspect="1" noMove="1" noResize="1" noEditPoints="1" noAdjustHandles="1" noChangeArrowheads="1" noChangeShapeType="1" noTextEdit="1"/>
+          </p:cNvSpPr>
           <p:nvPr>
             <p:extLst>
               <p:ext uri="{386F3935-93C4-4BCD-93E2-E3B085C9AB24}">
@@ -6423,232 +6431,62 @@
               </p:ext>
             </p:extLst>
           </p:nvPr>
-        </p:nvGrpSpPr>
-        <p:grpSpPr>
-          <a:xfrm>
-            <a:off x="534774" y="699565"/>
-            <a:ext cx="3553132" cy="5156200"/>
-            <a:chOff x="7807230" y="2012810"/>
-            <a:chExt cx="3251252" cy="3459865"/>
-          </a:xfrm>
-        </p:grpSpPr>
-        <p:sp>
-          <p:nvSpPr>
-            <p:cNvPr id="14" name="Rectangle 13">
-              <a:extLst>
-                <a:ext uri="{FF2B5EF4-FFF2-40B4-BE49-F238E27FC236}">
-                  <a16:creationId xmlns:a16="http://schemas.microsoft.com/office/drawing/2014/main" id="{5877EAC0-2063-444D-8EE9-72FED2E03B26}"/>
-                </a:ext>
-                <a:ext uri="{C183D7F6-B498-43B3-948B-1728B52AA6E4}">
-                  <adec:decorative xmlns:adec="http://schemas.microsoft.com/office/drawing/2017/decorative" val="1"/>
-                </a:ext>
-              </a:extLst>
-            </p:cNvPr>
-            <p:cNvSpPr/>
-            <p:nvPr>
-              <p:extLst>
-                <p:ext uri="{386F3935-93C4-4BCD-93E2-E3B085C9AB24}">
-                  <p16:designElem xmlns:p16="http://schemas.microsoft.com/office/powerpoint/2015/main" val="1"/>
-                </p:ext>
-              </p:extLst>
-            </p:nvPr>
-          </p:nvSpPr>
-          <p:spPr>
-            <a:xfrm>
-              <a:off x="7807230" y="2012810"/>
-              <a:ext cx="3251252" cy="3459865"/>
-            </a:xfrm>
-            <a:prstGeom prst="rect">
-              <a:avLst/>
-            </a:prstGeom>
-            <a:gradFill>
-              <a:gsLst>
-                <a:gs pos="0">
-                  <a:srgbClr val="000001"/>
-                </a:gs>
-                <a:gs pos="100000">
-                  <a:srgbClr val="191919"/>
-                </a:gs>
-              </a:gsLst>
-            </a:gradFill>
-            <a:ln w="76200" cmpd="sng">
-              <a:noFill/>
-              <a:miter lim="800000"/>
-            </a:ln>
-            <a:effectLst>
-              <a:outerShdw blurRad="127000" dist="190500" dir="4740000" sx="98000" sy="98000" algn="tl" rotWithShape="0">
-                <a:srgbClr val="000000">
-                  <a:alpha val="34000"/>
-                </a:srgbClr>
-              </a:outerShdw>
-            </a:effectLst>
-            <a:scene3d>
-              <a:camera prst="orthographicFront"/>
-              <a:lightRig rig="threePt" dir="t"/>
-            </a:scene3d>
-            <a:sp3d>
-              <a:bevelT w="152400" h="50800" prst="softRound"/>
-            </a:sp3d>
-          </p:spPr>
-          <p:style>
-            <a:lnRef idx="1">
-              <a:schemeClr val="accent1"/>
-            </a:lnRef>
-            <a:fillRef idx="3">
-              <a:schemeClr val="accent1"/>
-            </a:fillRef>
-            <a:effectRef idx="2">
-              <a:schemeClr val="accent1"/>
-            </a:effectRef>
-            <a:fontRef idx="minor">
-              <a:schemeClr val="lt1"/>
-            </a:fontRef>
-          </p:style>
-          <p:txBody>
-            <a:bodyPr rtlCol="0" anchor="ctr"/>
-            <a:lstStyle/>
-            <a:p>
-              <a:pPr algn="ctr"/>
-              <a:endParaRPr lang="en-US"/>
-            </a:p>
-          </p:txBody>
-        </p:sp>
-        <p:sp>
-          <p:nvSpPr>
-            <p:cNvPr id="15" name="Rectangle 14">
-              <a:extLst>
-                <a:ext uri="{FF2B5EF4-FFF2-40B4-BE49-F238E27FC236}">
-                  <a16:creationId xmlns:a16="http://schemas.microsoft.com/office/drawing/2014/main" id="{2C155BF8-661A-4F4A-B4EC-923105C69221}"/>
-                </a:ext>
-                <a:ext uri="{C183D7F6-B498-43B3-948B-1728B52AA6E4}">
-                  <adec:decorative xmlns:adec="http://schemas.microsoft.com/office/drawing/2017/decorative" val="1"/>
-                </a:ext>
-              </a:extLst>
-            </p:cNvPr>
-            <p:cNvSpPr/>
-            <p:nvPr>
-              <p:extLst>
-                <p:ext uri="{386F3935-93C4-4BCD-93E2-E3B085C9AB24}">
-                  <p16:designElem xmlns:p16="http://schemas.microsoft.com/office/powerpoint/2015/main" val="1"/>
-                </p:ext>
-              </p:extLst>
-            </p:nvPr>
-          </p:nvSpPr>
-          <p:spPr>
-            <a:xfrm>
-              <a:off x="7807231" y="2026142"/>
-              <a:ext cx="3251250" cy="3440203"/>
-            </a:xfrm>
-            <a:prstGeom prst="rect">
-              <a:avLst/>
-            </a:prstGeom>
-            <a:gradFill>
-              <a:gsLst>
-                <a:gs pos="0">
-                  <a:srgbClr val="DADADA"/>
-                </a:gs>
-                <a:gs pos="100000">
-                  <a:srgbClr val="FFFFFE"/>
-                </a:gs>
-              </a:gsLst>
-              <a:lin ang="16200000" scaled="0"/>
-            </a:gradFill>
-            <a:ln w="76200" cmpd="sng">
-              <a:solidFill>
-                <a:srgbClr val="191919"/>
-              </a:solidFill>
-              <a:miter lim="800000"/>
-            </a:ln>
-            <a:effectLst>
-              <a:innerShdw blurRad="63500" dist="88900" dir="14100000">
-                <a:srgbClr val="000000">
-                  <a:alpha val="30000"/>
-                </a:srgbClr>
-              </a:innerShdw>
-            </a:effectLst>
-            <a:scene3d>
-              <a:camera prst="orthographicFront"/>
-              <a:lightRig rig="threePt" dir="t"/>
-            </a:scene3d>
-            <a:sp3d>
-              <a:bevelT w="38100" h="38100" prst="relaxedInset"/>
-            </a:sp3d>
-          </p:spPr>
-          <p:style>
-            <a:lnRef idx="1">
-              <a:schemeClr val="accent1"/>
-            </a:lnRef>
-            <a:fillRef idx="3">
-              <a:schemeClr val="accent1"/>
-            </a:fillRef>
-            <a:effectRef idx="2">
-              <a:schemeClr val="accent1"/>
-            </a:effectRef>
-            <a:fontRef idx="minor">
-              <a:schemeClr val="lt1"/>
-            </a:fontRef>
-          </p:style>
-          <p:txBody>
-            <a:bodyPr rtlCol="0" anchor="ctr"/>
-            <a:lstStyle/>
-            <a:p>
-              <a:pPr algn="ctr"/>
-              <a:endParaRPr lang="en-US"/>
-            </a:p>
-          </p:txBody>
-        </p:sp>
-      </p:grpSp>
-      <p:pic>
-        <p:nvPicPr>
-          <p:cNvPr id="6" name="Imagen 5" descr="Icono&#10;&#10;Descripción generada automáticamente">
-            <a:extLst>
-              <a:ext uri="{FF2B5EF4-FFF2-40B4-BE49-F238E27FC236}">
-                <a16:creationId xmlns:a16="http://schemas.microsoft.com/office/drawing/2014/main" id="{3B58C861-F33D-41FF-8E5D-4835ADC5965B}"/>
-              </a:ext>
-            </a:extLst>
-          </p:cNvPr>
-          <p:cNvPicPr>
-            <a:picLocks noChangeAspect="1"/>
-          </p:cNvPicPr>
-          <p:nvPr/>
-        </p:nvPicPr>
-        <p:blipFill>
-          <a:blip r:embed="rId2">
-            <a:extLst>
-              <a:ext uri="{28A0092B-C50C-407E-A947-70E740481C1C}">
-                <a14:useLocalDpi xmlns:a14="http://schemas.microsoft.com/office/drawing/2010/main" val="0"/>
-              </a:ext>
-            </a:extLst>
-          </a:blip>
-          <a:stretch>
-            <a:fillRect/>
-          </a:stretch>
-        </p:blipFill>
-        <p:spPr>
-          <a:xfrm>
-            <a:off x="706568" y="1723838"/>
-            <a:ext cx="1963488" cy="1901155"/>
+        </p:nvSpPr>
+        <p:spPr>
+          <a:xfrm>
+            <a:off x="0" y="0"/>
+            <a:ext cx="12188952" cy="6858000"/>
           </a:xfrm>
           <a:prstGeom prst="rect">
             <a:avLst/>
           </a:prstGeom>
-        </p:spPr>
-      </p:pic>
-      <p:grpSp>
-        <p:nvGrpSpPr>
-          <p:cNvPr id="17" name="Group 16">
-            <a:extLst>
-              <a:ext uri="{FF2B5EF4-FFF2-40B4-BE49-F238E27FC236}">
-                <a16:creationId xmlns:a16="http://schemas.microsoft.com/office/drawing/2014/main" id="{E9537076-EF48-4F72-9164-FD8260D550AC}"/>
+          <a:solidFill>
+            <a:schemeClr val="accent2"/>
+          </a:solidFill>
+          <a:ln>
+            <a:noFill/>
+          </a:ln>
+        </p:spPr>
+        <p:style>
+          <a:lnRef idx="2">
+            <a:schemeClr val="accent1">
+              <a:shade val="50000"/>
+            </a:schemeClr>
+          </a:lnRef>
+          <a:fillRef idx="1">
+            <a:schemeClr val="accent1"/>
+          </a:fillRef>
+          <a:effectRef idx="0">
+            <a:schemeClr val="accent1"/>
+          </a:effectRef>
+          <a:fontRef idx="minor">
+            <a:schemeClr val="lt1"/>
+          </a:fontRef>
+        </p:style>
+        <p:txBody>
+          <a:bodyPr rtlCol="0" anchor="ctr"/>
+          <a:lstStyle/>
+          <a:p>
+            <a:pPr algn="ctr"/>
+            <a:endParaRPr lang="en-US"/>
+          </a:p>
+        </p:txBody>
+      </p:sp>
+      <p:sp>
+        <p:nvSpPr>
+          <p:cNvPr id="51" name="Freeform: Shape 50">
+            <a:extLst>
+              <a:ext uri="{FF2B5EF4-FFF2-40B4-BE49-F238E27FC236}">
+                <a16:creationId xmlns:a16="http://schemas.microsoft.com/office/drawing/2014/main" id="{A5D2A5D1-BA0D-47D3-B051-DA7743C46E28}"/>
               </a:ext>
               <a:ext uri="{C183D7F6-B498-43B3-948B-1728B52AA6E4}">
                 <adec:decorative xmlns:adec="http://schemas.microsoft.com/office/drawing/2017/decorative" val="1"/>
               </a:ext>
             </a:extLst>
           </p:cNvPr>
-          <p:cNvGrpSpPr>
-            <a:grpSpLocks noGrp="1" noUngrp="1" noRot="1" noChangeAspect="1" noMove="1" noResize="1"/>
-          </p:cNvGrpSpPr>
+          <p:cNvSpPr>
+            <a:spLocks noGrp="1" noRot="1" noChangeAspect="1" noMove="1" noResize="1" noEditPoints="1" noAdjustHandles="1" noChangeArrowheads="1" noChangeShapeType="1" noTextEdit="1"/>
+          </p:cNvSpPr>
           <p:nvPr>
             <p:extLst>
               <p:ext uri="{386F3935-93C4-4BCD-93E2-E3B085C9AB24}">
@@ -6656,420 +6494,597 @@
               </p:ext>
             </p:extLst>
           </p:nvPr>
-        </p:nvGrpSpPr>
-        <p:grpSpPr>
-          <a:xfrm>
-            <a:off x="4319434" y="699565"/>
-            <a:ext cx="3553132" cy="5156200"/>
-            <a:chOff x="7807230" y="2012810"/>
-            <a:chExt cx="3251252" cy="3459865"/>
-          </a:xfrm>
-        </p:grpSpPr>
-        <p:sp>
-          <p:nvSpPr>
-            <p:cNvPr id="18" name="Rectangle 17">
-              <a:extLst>
-                <a:ext uri="{FF2B5EF4-FFF2-40B4-BE49-F238E27FC236}">
-                  <a16:creationId xmlns:a16="http://schemas.microsoft.com/office/drawing/2014/main" id="{689673CB-C48B-4D05-B6E4-B88CD5BAA00F}"/>
-                </a:ext>
-                <a:ext uri="{C183D7F6-B498-43B3-948B-1728B52AA6E4}">
-                  <adec:decorative xmlns:adec="http://schemas.microsoft.com/office/drawing/2017/decorative" val="1"/>
-                </a:ext>
-              </a:extLst>
-            </p:cNvPr>
-            <p:cNvSpPr/>
-            <p:nvPr>
-              <p:extLst>
-                <p:ext uri="{386F3935-93C4-4BCD-93E2-E3B085C9AB24}">
-                  <p16:designElem xmlns:p16="http://schemas.microsoft.com/office/powerpoint/2015/main" val="1"/>
-                </p:ext>
-              </p:extLst>
-            </p:nvPr>
-          </p:nvSpPr>
-          <p:spPr>
-            <a:xfrm>
-              <a:off x="7807230" y="2012810"/>
-              <a:ext cx="3251252" cy="3459865"/>
-            </a:xfrm>
-            <a:prstGeom prst="rect">
-              <a:avLst/>
-            </a:prstGeom>
-            <a:gradFill>
-              <a:gsLst>
-                <a:gs pos="0">
-                  <a:srgbClr val="000001"/>
-                </a:gs>
-                <a:gs pos="100000">
-                  <a:srgbClr val="191919"/>
-                </a:gs>
-              </a:gsLst>
-            </a:gradFill>
-            <a:ln w="76200" cmpd="sng">
-              <a:noFill/>
-              <a:miter lim="800000"/>
-            </a:ln>
-            <a:effectLst>
-              <a:outerShdw blurRad="127000" dist="190500" dir="4740000" sx="98000" sy="98000" algn="tl" rotWithShape="0">
-                <a:srgbClr val="000000">
-                  <a:alpha val="34000"/>
-                </a:srgbClr>
-              </a:outerShdw>
-            </a:effectLst>
-            <a:scene3d>
-              <a:camera prst="orthographicFront"/>
-              <a:lightRig rig="threePt" dir="t"/>
-            </a:scene3d>
-            <a:sp3d>
-              <a:bevelT w="152400" h="50800" prst="softRound"/>
-            </a:sp3d>
-          </p:spPr>
-          <p:style>
-            <a:lnRef idx="1">
-              <a:schemeClr val="accent1"/>
-            </a:lnRef>
-            <a:fillRef idx="3">
-              <a:schemeClr val="accent1"/>
-            </a:fillRef>
-            <a:effectRef idx="2">
-              <a:schemeClr val="accent1"/>
-            </a:effectRef>
-            <a:fontRef idx="minor">
-              <a:schemeClr val="lt1"/>
-            </a:fontRef>
-          </p:style>
-          <p:txBody>
-            <a:bodyPr rtlCol="0" anchor="ctr"/>
-            <a:lstStyle/>
-            <a:p>
-              <a:pPr algn="ctr"/>
-              <a:endParaRPr lang="en-US"/>
-            </a:p>
-          </p:txBody>
-        </p:sp>
-        <p:sp>
-          <p:nvSpPr>
-            <p:cNvPr id="19" name="Rectangle 18">
-              <a:extLst>
-                <a:ext uri="{FF2B5EF4-FFF2-40B4-BE49-F238E27FC236}">
-                  <a16:creationId xmlns:a16="http://schemas.microsoft.com/office/drawing/2014/main" id="{96C31A20-B341-476E-8C04-A26C87E1494F}"/>
-                </a:ext>
-                <a:ext uri="{C183D7F6-B498-43B3-948B-1728B52AA6E4}">
-                  <adec:decorative xmlns:adec="http://schemas.microsoft.com/office/drawing/2017/decorative" val="1"/>
-                </a:ext>
-              </a:extLst>
-            </p:cNvPr>
-            <p:cNvSpPr/>
-            <p:nvPr>
-              <p:extLst>
-                <p:ext uri="{386F3935-93C4-4BCD-93E2-E3B085C9AB24}">
-                  <p16:designElem xmlns:p16="http://schemas.microsoft.com/office/powerpoint/2015/main" val="1"/>
-                </p:ext>
-              </p:extLst>
-            </p:nvPr>
-          </p:nvSpPr>
-          <p:spPr>
-            <a:xfrm>
-              <a:off x="7807231" y="2026142"/>
-              <a:ext cx="3251250" cy="3440203"/>
-            </a:xfrm>
-            <a:prstGeom prst="rect">
-              <a:avLst/>
-            </a:prstGeom>
-            <a:gradFill>
-              <a:gsLst>
-                <a:gs pos="0">
-                  <a:srgbClr val="DADADA"/>
-                </a:gs>
-                <a:gs pos="100000">
-                  <a:srgbClr val="FFFFFE"/>
-                </a:gs>
-              </a:gsLst>
-              <a:lin ang="16200000" scaled="0"/>
-            </a:gradFill>
-            <a:ln w="76200" cmpd="sng">
-              <a:solidFill>
-                <a:srgbClr val="191919"/>
-              </a:solidFill>
-              <a:miter lim="800000"/>
-            </a:ln>
-            <a:effectLst>
-              <a:innerShdw blurRad="63500" dist="88900" dir="14100000">
-                <a:srgbClr val="000000">
-                  <a:alpha val="30000"/>
-                </a:srgbClr>
-              </a:innerShdw>
-            </a:effectLst>
-            <a:scene3d>
-              <a:camera prst="orthographicFront"/>
-              <a:lightRig rig="threePt" dir="t"/>
-            </a:scene3d>
-            <a:sp3d>
-              <a:bevelT w="38100" h="38100" prst="relaxedInset"/>
-            </a:sp3d>
-          </p:spPr>
-          <p:style>
-            <a:lnRef idx="1">
-              <a:schemeClr val="accent1"/>
-            </a:lnRef>
-            <a:fillRef idx="3">
-              <a:schemeClr val="accent1"/>
-            </a:fillRef>
-            <a:effectRef idx="2">
-              <a:schemeClr val="accent1"/>
-            </a:effectRef>
-            <a:fontRef idx="minor">
-              <a:schemeClr val="lt1"/>
-            </a:fontRef>
-          </p:style>
-          <p:txBody>
-            <a:bodyPr rtlCol="0" anchor="ctr"/>
-            <a:lstStyle/>
-            <a:p>
-              <a:pPr algn="ctr"/>
-              <a:endParaRPr lang="en-US"/>
-            </a:p>
-          </p:txBody>
-        </p:sp>
-      </p:grpSp>
+        </p:nvSpPr>
+        <p:spPr>
+          <a:xfrm>
+            <a:off x="0" y="0"/>
+            <a:ext cx="12192000" cy="6219825"/>
+          </a:xfrm>
+          <a:custGeom>
+            <a:avLst/>
+            <a:gdLst>
+              <a:gd name="connsiteX0" fmla="*/ 6789701 w 12192000"/>
+              <a:gd name="connsiteY0" fmla="*/ 6151588 h 6219825"/>
+              <a:gd name="connsiteX1" fmla="*/ 6788702 w 12192000"/>
+              <a:gd name="connsiteY1" fmla="*/ 6151666 h 6219825"/>
+              <a:gd name="connsiteX2" fmla="*/ 6788476 w 12192000"/>
+              <a:gd name="connsiteY2" fmla="*/ 6152200 h 6219825"/>
+              <a:gd name="connsiteX3" fmla="*/ 9834 w 12192000"/>
+              <a:gd name="connsiteY3" fmla="*/ 0 h 6219825"/>
+              <a:gd name="connsiteX4" fmla="*/ 12357 w 12192000"/>
+              <a:gd name="connsiteY4" fmla="*/ 1 h 6219825"/>
+              <a:gd name="connsiteX5" fmla="*/ 12192000 w 12192000"/>
+              <a:gd name="connsiteY5" fmla="*/ 1 h 6219825"/>
+              <a:gd name="connsiteX6" fmla="*/ 12192000 w 12192000"/>
+              <a:gd name="connsiteY6" fmla="*/ 5105401 h 6219825"/>
+              <a:gd name="connsiteX7" fmla="*/ 12191716 w 12192000"/>
+              <a:gd name="connsiteY7" fmla="*/ 5105401 h 6219825"/>
+              <a:gd name="connsiteX8" fmla="*/ 12192000 w 12192000"/>
+              <a:gd name="connsiteY8" fmla="*/ 5256977 h 6219825"/>
+              <a:gd name="connsiteX9" fmla="*/ 12061096 w 12192000"/>
+              <a:gd name="connsiteY9" fmla="*/ 5296034 h 6219825"/>
+              <a:gd name="connsiteX10" fmla="*/ 11676800 w 12192000"/>
+              <a:gd name="connsiteY10" fmla="*/ 5399652 h 6219825"/>
+              <a:gd name="connsiteX11" fmla="*/ 10425355 w 12192000"/>
+              <a:gd name="connsiteY11" fmla="*/ 5683310 h 6219825"/>
+              <a:gd name="connsiteX12" fmla="*/ 9424022 w 12192000"/>
+              <a:gd name="connsiteY12" fmla="*/ 5858546 h 6219825"/>
+              <a:gd name="connsiteX13" fmla="*/ 8458419 w 12192000"/>
+              <a:gd name="connsiteY13" fmla="*/ 5992303 h 6219825"/>
+              <a:gd name="connsiteX14" fmla="*/ 7715970 w 12192000"/>
+              <a:gd name="connsiteY14" fmla="*/ 6072283 h 6219825"/>
+              <a:gd name="connsiteX15" fmla="*/ 6951716 w 12192000"/>
+              <a:gd name="connsiteY15" fmla="*/ 6138091 h 6219825"/>
+              <a:gd name="connsiteX16" fmla="*/ 6936303 w 12192000"/>
+              <a:gd name="connsiteY16" fmla="*/ 6140163 h 6219825"/>
+              <a:gd name="connsiteX17" fmla="*/ 6790448 w 12192000"/>
+              <a:gd name="connsiteY17" fmla="*/ 6151529 h 6219825"/>
+              <a:gd name="connsiteX18" fmla="*/ 6799941 w 12192000"/>
+              <a:gd name="connsiteY18" fmla="*/ 6153349 h 6219825"/>
+              <a:gd name="connsiteX19" fmla="*/ 6835432 w 12192000"/>
+              <a:gd name="connsiteY19" fmla="*/ 6151642 h 6219825"/>
+              <a:gd name="connsiteX20" fmla="*/ 6884003 w 12192000"/>
+              <a:gd name="connsiteY20" fmla="*/ 6148662 h 6219825"/>
+              <a:gd name="connsiteX21" fmla="*/ 7578771 w 12192000"/>
+              <a:gd name="connsiteY21" fmla="*/ 6116122 h 6219825"/>
+              <a:gd name="connsiteX22" fmla="*/ 8623845 w 12192000"/>
+              <a:gd name="connsiteY22" fmla="*/ 6029188 h 6219825"/>
+              <a:gd name="connsiteX23" fmla="*/ 9479970 w 12192000"/>
+              <a:gd name="connsiteY23" fmla="*/ 5925239 h 6219825"/>
+              <a:gd name="connsiteX24" fmla="*/ 10629308 w 12192000"/>
+              <a:gd name="connsiteY24" fmla="*/ 5731000 h 6219825"/>
+              <a:gd name="connsiteX25" fmla="*/ 11998498 w 12192000"/>
+              <a:gd name="connsiteY25" fmla="*/ 5404869 h 6219825"/>
+              <a:gd name="connsiteX26" fmla="*/ 12192000 w 12192000"/>
+              <a:gd name="connsiteY26" fmla="*/ 5347846 h 6219825"/>
+              <a:gd name="connsiteX27" fmla="*/ 12192000 w 12192000"/>
+              <a:gd name="connsiteY27" fmla="*/ 5402606 h 6219825"/>
+              <a:gd name="connsiteX28" fmla="*/ 11829257 w 12192000"/>
+              <a:gd name="connsiteY28" fmla="*/ 5507950 h 6219825"/>
+              <a:gd name="connsiteX29" fmla="*/ 10939183 w 12192000"/>
+              <a:gd name="connsiteY29" fmla="*/ 5722555 h 6219825"/>
+              <a:gd name="connsiteX30" fmla="*/ 9985530 w 12192000"/>
+              <a:gd name="connsiteY30" fmla="*/ 5902635 h 6219825"/>
+              <a:gd name="connsiteX31" fmla="*/ 9186882 w 12192000"/>
+              <a:gd name="connsiteY31" fmla="*/ 6018631 h 6219825"/>
+              <a:gd name="connsiteX32" fmla="*/ 8578198 w 12192000"/>
+              <a:gd name="connsiteY32" fmla="*/ 6088179 h 6219825"/>
+              <a:gd name="connsiteX33" fmla="*/ 7864358 w 12192000"/>
+              <a:gd name="connsiteY33" fmla="*/ 6149656 h 6219825"/>
+              <a:gd name="connsiteX34" fmla="*/ 6935502 w 12192000"/>
+              <a:gd name="connsiteY34" fmla="*/ 6201071 h 6219825"/>
+              <a:gd name="connsiteX35" fmla="*/ 6477750 w 12192000"/>
+              <a:gd name="connsiteY35" fmla="*/ 6214980 h 6219825"/>
+              <a:gd name="connsiteX36" fmla="*/ 6362294 w 12192000"/>
+              <a:gd name="connsiteY36" fmla="*/ 6219825 h 6219825"/>
+              <a:gd name="connsiteX37" fmla="*/ 6057129 w 12192000"/>
+              <a:gd name="connsiteY37" fmla="*/ 6219825 h 6219825"/>
+              <a:gd name="connsiteX38" fmla="*/ 5977784 w 12192000"/>
+              <a:gd name="connsiteY38" fmla="*/ 6215229 h 6219825"/>
+              <a:gd name="connsiteX39" fmla="*/ 5265087 w 12192000"/>
+              <a:gd name="connsiteY39" fmla="*/ 6178965 h 6219825"/>
+              <a:gd name="connsiteX40" fmla="*/ 4346277 w 12192000"/>
+              <a:gd name="connsiteY40" fmla="*/ 6116869 h 6219825"/>
+              <a:gd name="connsiteX41" fmla="*/ 3373045 w 12192000"/>
+              <a:gd name="connsiteY41" fmla="*/ 6018259 h 6219825"/>
+              <a:gd name="connsiteX42" fmla="*/ 2362173 w 12192000"/>
+              <a:gd name="connsiteY42" fmla="*/ 5899282 h 6219825"/>
+              <a:gd name="connsiteX43" fmla="*/ 1233178 w 12192000"/>
+              <a:gd name="connsiteY43" fmla="*/ 5726033 h 6219825"/>
+              <a:gd name="connsiteX44" fmla="*/ 68500 w 12192000"/>
+              <a:gd name="connsiteY44" fmla="*/ 5486226 h 6219825"/>
+              <a:gd name="connsiteX45" fmla="*/ 0 w 12192000"/>
+              <a:gd name="connsiteY45" fmla="*/ 5468863 h 6219825"/>
+              <a:gd name="connsiteX46" fmla="*/ 0 w 12192000"/>
+              <a:gd name="connsiteY46" fmla="*/ 5412351 h 6219825"/>
+              <a:gd name="connsiteX47" fmla="*/ 72441 w 12192000"/>
+              <a:gd name="connsiteY47" fmla="*/ 5431135 h 6219825"/>
+              <a:gd name="connsiteX48" fmla="*/ 600716 w 12192000"/>
+              <a:gd name="connsiteY48" fmla="*/ 5549555 h 6219825"/>
+              <a:gd name="connsiteX49" fmla="*/ 1769512 w 12192000"/>
+              <a:gd name="connsiteY49" fmla="*/ 5759811 h 6219825"/>
+              <a:gd name="connsiteX50" fmla="*/ 2613554 w 12192000"/>
+              <a:gd name="connsiteY50" fmla="*/ 5876802 h 6219825"/>
+              <a:gd name="connsiteX51" fmla="*/ 2581134 w 12192000"/>
+              <a:gd name="connsiteY51" fmla="*/ 5866867 h 6219825"/>
+              <a:gd name="connsiteX52" fmla="*/ 1112635 w 12192000"/>
+              <a:gd name="connsiteY52" fmla="*/ 5534031 h 6219825"/>
+              <a:gd name="connsiteX53" fmla="*/ 420412 w 12192000"/>
+              <a:gd name="connsiteY53" fmla="*/ 5334514 h 6219825"/>
+              <a:gd name="connsiteX54" fmla="*/ 0 w 12192000"/>
+              <a:gd name="connsiteY54" fmla="*/ 5195539 h 6219825"/>
+              <a:gd name="connsiteX55" fmla="*/ 60 w 12192000"/>
+              <a:gd name="connsiteY55" fmla="*/ 5105401 h 6219825"/>
+              <a:gd name="connsiteX56" fmla="*/ 0 w 12192000"/>
+              <a:gd name="connsiteY56" fmla="*/ 5105401 h 6219825"/>
+              <a:gd name="connsiteX57" fmla="*/ 0 w 12192000"/>
+              <a:gd name="connsiteY57" fmla="*/ 1 h 6219825"/>
+              <a:gd name="connsiteX58" fmla="*/ 9834 w 12192000"/>
+              <a:gd name="connsiteY58" fmla="*/ 1 h 6219825"/>
+            </a:gdLst>
+            <a:ahLst/>
+            <a:cxnLst>
+              <a:cxn ang="0">
+                <a:pos x="connsiteX0" y="connsiteY0"/>
+              </a:cxn>
+              <a:cxn ang="0">
+                <a:pos x="connsiteX1" y="connsiteY1"/>
+              </a:cxn>
+              <a:cxn ang="0">
+                <a:pos x="connsiteX2" y="connsiteY2"/>
+              </a:cxn>
+              <a:cxn ang="0">
+                <a:pos x="connsiteX3" y="connsiteY3"/>
+              </a:cxn>
+              <a:cxn ang="0">
+                <a:pos x="connsiteX4" y="connsiteY4"/>
+              </a:cxn>
+              <a:cxn ang="0">
+                <a:pos x="connsiteX5" y="connsiteY5"/>
+              </a:cxn>
+              <a:cxn ang="0">
+                <a:pos x="connsiteX6" y="connsiteY6"/>
+              </a:cxn>
+              <a:cxn ang="0">
+                <a:pos x="connsiteX7" y="connsiteY7"/>
+              </a:cxn>
+              <a:cxn ang="0">
+                <a:pos x="connsiteX8" y="connsiteY8"/>
+              </a:cxn>
+              <a:cxn ang="0">
+                <a:pos x="connsiteX9" y="connsiteY9"/>
+              </a:cxn>
+              <a:cxn ang="0">
+                <a:pos x="connsiteX10" y="connsiteY10"/>
+              </a:cxn>
+              <a:cxn ang="0">
+                <a:pos x="connsiteX11" y="connsiteY11"/>
+              </a:cxn>
+              <a:cxn ang="0">
+                <a:pos x="connsiteX12" y="connsiteY12"/>
+              </a:cxn>
+              <a:cxn ang="0">
+                <a:pos x="connsiteX13" y="connsiteY13"/>
+              </a:cxn>
+              <a:cxn ang="0">
+                <a:pos x="connsiteX14" y="connsiteY14"/>
+              </a:cxn>
+              <a:cxn ang="0">
+                <a:pos x="connsiteX15" y="connsiteY15"/>
+              </a:cxn>
+              <a:cxn ang="0">
+                <a:pos x="connsiteX16" y="connsiteY16"/>
+              </a:cxn>
+              <a:cxn ang="0">
+                <a:pos x="connsiteX17" y="connsiteY17"/>
+              </a:cxn>
+              <a:cxn ang="0">
+                <a:pos x="connsiteX18" y="connsiteY18"/>
+              </a:cxn>
+              <a:cxn ang="0">
+                <a:pos x="connsiteX19" y="connsiteY19"/>
+              </a:cxn>
+              <a:cxn ang="0">
+                <a:pos x="connsiteX20" y="connsiteY20"/>
+              </a:cxn>
+              <a:cxn ang="0">
+                <a:pos x="connsiteX21" y="connsiteY21"/>
+              </a:cxn>
+              <a:cxn ang="0">
+                <a:pos x="connsiteX22" y="connsiteY22"/>
+              </a:cxn>
+              <a:cxn ang="0">
+                <a:pos x="connsiteX23" y="connsiteY23"/>
+              </a:cxn>
+              <a:cxn ang="0">
+                <a:pos x="connsiteX24" y="connsiteY24"/>
+              </a:cxn>
+              <a:cxn ang="0">
+                <a:pos x="connsiteX25" y="connsiteY25"/>
+              </a:cxn>
+              <a:cxn ang="0">
+                <a:pos x="connsiteX26" y="connsiteY26"/>
+              </a:cxn>
+              <a:cxn ang="0">
+                <a:pos x="connsiteX27" y="connsiteY27"/>
+              </a:cxn>
+              <a:cxn ang="0">
+                <a:pos x="connsiteX28" y="connsiteY28"/>
+              </a:cxn>
+              <a:cxn ang="0">
+                <a:pos x="connsiteX29" y="connsiteY29"/>
+              </a:cxn>
+              <a:cxn ang="0">
+                <a:pos x="connsiteX30" y="connsiteY30"/>
+              </a:cxn>
+              <a:cxn ang="0">
+                <a:pos x="connsiteX31" y="connsiteY31"/>
+              </a:cxn>
+              <a:cxn ang="0">
+                <a:pos x="connsiteX32" y="connsiteY32"/>
+              </a:cxn>
+              <a:cxn ang="0">
+                <a:pos x="connsiteX33" y="connsiteY33"/>
+              </a:cxn>
+              <a:cxn ang="0">
+                <a:pos x="connsiteX34" y="connsiteY34"/>
+              </a:cxn>
+              <a:cxn ang="0">
+                <a:pos x="connsiteX35" y="connsiteY35"/>
+              </a:cxn>
+              <a:cxn ang="0">
+                <a:pos x="connsiteX36" y="connsiteY36"/>
+              </a:cxn>
+              <a:cxn ang="0">
+                <a:pos x="connsiteX37" y="connsiteY37"/>
+              </a:cxn>
+              <a:cxn ang="0">
+                <a:pos x="connsiteX38" y="connsiteY38"/>
+              </a:cxn>
+              <a:cxn ang="0">
+                <a:pos x="connsiteX39" y="connsiteY39"/>
+              </a:cxn>
+              <a:cxn ang="0">
+                <a:pos x="connsiteX40" y="connsiteY40"/>
+              </a:cxn>
+              <a:cxn ang="0">
+                <a:pos x="connsiteX41" y="connsiteY41"/>
+              </a:cxn>
+              <a:cxn ang="0">
+                <a:pos x="connsiteX42" y="connsiteY42"/>
+              </a:cxn>
+              <a:cxn ang="0">
+                <a:pos x="connsiteX43" y="connsiteY43"/>
+              </a:cxn>
+              <a:cxn ang="0">
+                <a:pos x="connsiteX44" y="connsiteY44"/>
+              </a:cxn>
+              <a:cxn ang="0">
+                <a:pos x="connsiteX45" y="connsiteY45"/>
+              </a:cxn>
+              <a:cxn ang="0">
+                <a:pos x="connsiteX46" y="connsiteY46"/>
+              </a:cxn>
+              <a:cxn ang="0">
+                <a:pos x="connsiteX47" y="connsiteY47"/>
+              </a:cxn>
+              <a:cxn ang="0">
+                <a:pos x="connsiteX48" y="connsiteY48"/>
+              </a:cxn>
+              <a:cxn ang="0">
+                <a:pos x="connsiteX49" y="connsiteY49"/>
+              </a:cxn>
+              <a:cxn ang="0">
+                <a:pos x="connsiteX50" y="connsiteY50"/>
+              </a:cxn>
+              <a:cxn ang="0">
+                <a:pos x="connsiteX51" y="connsiteY51"/>
+              </a:cxn>
+              <a:cxn ang="0">
+                <a:pos x="connsiteX52" y="connsiteY52"/>
+              </a:cxn>
+              <a:cxn ang="0">
+                <a:pos x="connsiteX53" y="connsiteY53"/>
+              </a:cxn>
+              <a:cxn ang="0">
+                <a:pos x="connsiteX54" y="connsiteY54"/>
+              </a:cxn>
+              <a:cxn ang="0">
+                <a:pos x="connsiteX55" y="connsiteY55"/>
+              </a:cxn>
+              <a:cxn ang="0">
+                <a:pos x="connsiteX56" y="connsiteY56"/>
+              </a:cxn>
+              <a:cxn ang="0">
+                <a:pos x="connsiteX57" y="connsiteY57"/>
+              </a:cxn>
+              <a:cxn ang="0">
+                <a:pos x="connsiteX58" y="connsiteY58"/>
+              </a:cxn>
+            </a:cxnLst>
+            <a:rect l="l" t="t" r="r" b="b"/>
+            <a:pathLst>
+              <a:path w="12192000" h="6219825">
+                <a:moveTo>
+                  <a:pt x="6789701" y="6151588"/>
+                </a:moveTo>
+                <a:lnTo>
+                  <a:pt x="6788702" y="6151666"/>
+                </a:lnTo>
+                <a:cubicBezTo>
+                  <a:pt x="6788627" y="6151844"/>
+                  <a:pt x="6788551" y="6152022"/>
+                  <a:pt x="6788476" y="6152200"/>
+                </a:cubicBezTo>
+                <a:close/>
+                <a:moveTo>
+                  <a:pt x="9834" y="0"/>
+                </a:moveTo>
+                <a:lnTo>
+                  <a:pt x="12357" y="1"/>
+                </a:lnTo>
+                <a:lnTo>
+                  <a:pt x="12192000" y="1"/>
+                </a:lnTo>
+                <a:lnTo>
+                  <a:pt x="12192000" y="5105401"/>
+                </a:lnTo>
+                <a:lnTo>
+                  <a:pt x="12191716" y="5105401"/>
+                </a:lnTo>
+                <a:lnTo>
+                  <a:pt x="12192000" y="5256977"/>
+                </a:lnTo>
+                <a:lnTo>
+                  <a:pt x="12061096" y="5296034"/>
+                </a:lnTo>
+                <a:cubicBezTo>
+                  <a:pt x="11933500" y="5332263"/>
+                  <a:pt x="11805390" y="5366806"/>
+                  <a:pt x="11676800" y="5399652"/>
+                </a:cubicBezTo>
+                <a:cubicBezTo>
+                  <a:pt x="11262789" y="5507204"/>
+                  <a:pt x="10845343" y="5600846"/>
+                  <a:pt x="10425355" y="5683310"/>
+                </a:cubicBezTo>
+                <a:cubicBezTo>
+                  <a:pt x="10092810" y="5748549"/>
+                  <a:pt x="9759033" y="5806970"/>
+                  <a:pt x="9424022" y="5858546"/>
+                </a:cubicBezTo>
+                <a:cubicBezTo>
+                  <a:pt x="9102997" y="5908224"/>
+                  <a:pt x="8781133" y="5952809"/>
+                  <a:pt x="8458419" y="5992303"/>
+                </a:cubicBezTo>
+                <a:cubicBezTo>
+                  <a:pt x="8211360" y="6022481"/>
+                  <a:pt x="7963792" y="6048065"/>
+                  <a:pt x="7715970" y="6072283"/>
+                </a:cubicBezTo>
+                <a:lnTo>
+                  <a:pt x="6951716" y="6138091"/>
+                </a:lnTo>
+                <a:lnTo>
+                  <a:pt x="6936303" y="6140163"/>
+                </a:lnTo>
+                <a:lnTo>
+                  <a:pt x="6790448" y="6151529"/>
+                </a:lnTo>
+                <a:lnTo>
+                  <a:pt x="6799941" y="6153349"/>
+                </a:lnTo>
+                <a:cubicBezTo>
+                  <a:pt x="6811623" y="6153816"/>
+                  <a:pt x="6823734" y="6151642"/>
+                  <a:pt x="6835432" y="6151642"/>
+                </a:cubicBezTo>
+                <a:cubicBezTo>
+                  <a:pt x="6851580" y="6151642"/>
+                  <a:pt x="6867729" y="6149034"/>
+                  <a:pt x="6884003" y="6148662"/>
+                </a:cubicBezTo>
+                <a:cubicBezTo>
+                  <a:pt x="7115805" y="6143198"/>
+                  <a:pt x="7347351" y="6131026"/>
+                  <a:pt x="7578771" y="6116122"/>
+                </a:cubicBezTo>
+                <a:cubicBezTo>
+                  <a:pt x="7927552" y="6093644"/>
+                  <a:pt x="8276080" y="6065453"/>
+                  <a:pt x="8623845" y="6029188"/>
+                </a:cubicBezTo>
+                <a:cubicBezTo>
+                  <a:pt x="8909939" y="5999878"/>
+                  <a:pt x="9195310" y="5965228"/>
+                  <a:pt x="9479970" y="5925239"/>
+                </a:cubicBezTo>
+                <a:cubicBezTo>
+                  <a:pt x="9864901" y="5870842"/>
+                  <a:pt x="10248014" y="5806101"/>
+                  <a:pt x="10629308" y="5731000"/>
+                </a:cubicBezTo>
+                <a:cubicBezTo>
+                  <a:pt x="11090114" y="5639842"/>
+                  <a:pt x="11546975" y="5532291"/>
+                  <a:pt x="11998498" y="5404869"/>
+                </a:cubicBezTo>
+                <a:lnTo>
+                  <a:pt x="12192000" y="5347846"/>
+                </a:lnTo>
+                <a:lnTo>
+                  <a:pt x="12192000" y="5402606"/>
+                </a:lnTo>
+                <a:lnTo>
+                  <a:pt x="11829257" y="5507950"/>
+                </a:lnTo>
+                <a:cubicBezTo>
+                  <a:pt x="11534769" y="5587680"/>
+                  <a:pt x="11238120" y="5658596"/>
+                  <a:pt x="10939183" y="5722555"/>
+                </a:cubicBezTo>
+                <a:cubicBezTo>
+                  <a:pt x="10622824" y="5790365"/>
+                  <a:pt x="10304941" y="5850387"/>
+                  <a:pt x="9985530" y="5902635"/>
+                </a:cubicBezTo>
+                <a:cubicBezTo>
+                  <a:pt x="9720036" y="5946102"/>
+                  <a:pt x="9453814" y="5984764"/>
+                  <a:pt x="9186882" y="6018631"/>
+                </a:cubicBezTo>
+                <a:cubicBezTo>
+                  <a:pt x="8984197" y="6044216"/>
+                  <a:pt x="8781514" y="6068309"/>
+                  <a:pt x="8578198" y="6088179"/>
+                </a:cubicBezTo>
+                <a:lnTo>
+                  <a:pt x="7864358" y="6149656"/>
+                </a:lnTo>
+                <a:cubicBezTo>
+                  <a:pt x="7554994" y="6172009"/>
+                  <a:pt x="7245502" y="6189895"/>
+                  <a:pt x="6935502" y="6201071"/>
+                </a:cubicBezTo>
+                <a:lnTo>
+                  <a:pt x="6477750" y="6214980"/>
+                </a:lnTo>
+                <a:cubicBezTo>
+                  <a:pt x="6439195" y="6212895"/>
+                  <a:pt x="6400529" y="6214521"/>
+                  <a:pt x="6362294" y="6219825"/>
+                </a:cubicBezTo>
+                <a:lnTo>
+                  <a:pt x="6057129" y="6219825"/>
+                </a:lnTo>
+                <a:lnTo>
+                  <a:pt x="5977784" y="6215229"/>
+                </a:lnTo>
+                <a:lnTo>
+                  <a:pt x="5265087" y="6178965"/>
+                </a:lnTo>
+                <a:cubicBezTo>
+                  <a:pt x="4958267" y="6166544"/>
+                  <a:pt x="4651826" y="6146055"/>
+                  <a:pt x="4346277" y="6116869"/>
+                </a:cubicBezTo>
+                <a:lnTo>
+                  <a:pt x="3373045" y="6018259"/>
+                </a:lnTo>
+                <a:cubicBezTo>
+                  <a:pt x="3035412" y="5983982"/>
+                  <a:pt x="2698456" y="5944327"/>
+                  <a:pt x="2362173" y="5899282"/>
+                </a:cubicBezTo>
+                <a:cubicBezTo>
+                  <a:pt x="1984692" y="5849108"/>
+                  <a:pt x="1608364" y="5791358"/>
+                  <a:pt x="1233178" y="5726033"/>
+                </a:cubicBezTo>
+                <a:cubicBezTo>
+                  <a:pt x="842181" y="5657291"/>
+                  <a:pt x="453758" y="5578770"/>
+                  <a:pt x="68500" y="5486226"/>
+                </a:cubicBezTo>
+                <a:lnTo>
+                  <a:pt x="0" y="5468863"/>
+                </a:lnTo>
+                <a:lnTo>
+                  <a:pt x="0" y="5412351"/>
+                </a:lnTo>
+                <a:lnTo>
+                  <a:pt x="72441" y="5431135"/>
+                </a:lnTo>
+                <a:cubicBezTo>
+                  <a:pt x="247961" y="5473331"/>
+                  <a:pt x="424164" y="5512608"/>
+                  <a:pt x="600716" y="5549555"/>
+                </a:cubicBezTo>
+                <a:cubicBezTo>
+                  <a:pt x="988279" y="5630403"/>
+                  <a:pt x="1378133" y="5699330"/>
+                  <a:pt x="1769512" y="5759811"/>
+                </a:cubicBezTo>
+                <a:cubicBezTo>
+                  <a:pt x="2052426" y="5803406"/>
+                  <a:pt x="2335725" y="5843519"/>
+                  <a:pt x="2613554" y="5876802"/>
+                </a:cubicBezTo>
+                <a:cubicBezTo>
+                  <a:pt x="2605544" y="5879410"/>
+                  <a:pt x="2594611" y="5869350"/>
+                  <a:pt x="2581134" y="5866867"/>
+                </a:cubicBezTo>
+                <a:cubicBezTo>
+                  <a:pt x="2087178" y="5774877"/>
+                  <a:pt x="1597684" y="5663937"/>
+                  <a:pt x="1112635" y="5534031"/>
+                </a:cubicBezTo>
+                <a:cubicBezTo>
+                  <a:pt x="880453" y="5471934"/>
+                  <a:pt x="649713" y="5405428"/>
+                  <a:pt x="420412" y="5334514"/>
+                </a:cubicBezTo>
+                <a:lnTo>
+                  <a:pt x="0" y="5195539"/>
+                </a:lnTo>
+                <a:lnTo>
+                  <a:pt x="60" y="5105401"/>
+                </a:lnTo>
+                <a:lnTo>
+                  <a:pt x="0" y="5105401"/>
+                </a:lnTo>
+                <a:lnTo>
+                  <a:pt x="0" y="1"/>
+                </a:lnTo>
+                <a:lnTo>
+                  <a:pt x="9834" y="1"/>
+                </a:lnTo>
+                <a:close/>
+              </a:path>
+            </a:pathLst>
+          </a:custGeom>
+          <a:solidFill>
+            <a:schemeClr val="bg1"/>
+          </a:solidFill>
+          <a:ln>
+            <a:noFill/>
+          </a:ln>
+        </p:spPr>
+        <p:style>
+          <a:lnRef idx="2">
+            <a:schemeClr val="accent1">
+              <a:shade val="50000"/>
+            </a:schemeClr>
+          </a:lnRef>
+          <a:fillRef idx="1">
+            <a:schemeClr val="accent1"/>
+          </a:fillRef>
+          <a:effectRef idx="0">
+            <a:schemeClr val="accent1"/>
+          </a:effectRef>
+          <a:fontRef idx="minor">
+            <a:schemeClr val="lt1"/>
+          </a:fontRef>
+        </p:style>
+        <p:txBody>
+          <a:bodyPr wrap="square" rtlCol="0" anchor="ctr">
+            <a:noAutofit/>
+          </a:bodyPr>
+          <a:lstStyle/>
+          <a:p>
+            <a:pPr algn="ctr"/>
+            <a:endParaRPr lang="en-US"/>
+          </a:p>
+        </p:txBody>
+      </p:sp>
       <p:pic>
         <p:nvPicPr>
-          <p:cNvPr id="5" name="Imagen 4" descr="Icono&#10;&#10;Descripción generada automáticamente">
-            <a:extLst>
-              <a:ext uri="{FF2B5EF4-FFF2-40B4-BE49-F238E27FC236}">
-                <a16:creationId xmlns:a16="http://schemas.microsoft.com/office/drawing/2014/main" id="{03C5A014-218C-4D36-A78A-ED13464767A2}"/>
-              </a:ext>
-            </a:extLst>
-          </p:cNvPr>
-          <p:cNvPicPr>
-            <a:picLocks noChangeAspect="1"/>
-          </p:cNvPicPr>
-          <p:nvPr/>
-        </p:nvPicPr>
-        <p:blipFill>
-          <a:blip r:embed="rId3">
-            <a:extLst>
-              <a:ext uri="{28A0092B-C50C-407E-A947-70E740481C1C}">
-                <a14:useLocalDpi xmlns:a14="http://schemas.microsoft.com/office/drawing/2010/main" val="0"/>
-              </a:ext>
-            </a:extLst>
-          </a:blip>
-          <a:stretch>
-            <a:fillRect/>
-          </a:stretch>
-        </p:blipFill>
-        <p:spPr>
-          <a:xfrm>
-            <a:off x="4487333" y="1723838"/>
-            <a:ext cx="1963488" cy="1901155"/>
-          </a:xfrm>
-          <a:prstGeom prst="rect">
-            <a:avLst/>
-          </a:prstGeom>
-        </p:spPr>
-      </p:pic>
-      <p:grpSp>
-        <p:nvGrpSpPr>
-          <p:cNvPr id="21" name="Group 20">
-            <a:extLst>
-              <a:ext uri="{FF2B5EF4-FFF2-40B4-BE49-F238E27FC236}">
-                <a16:creationId xmlns:a16="http://schemas.microsoft.com/office/drawing/2014/main" id="{6EFC3492-86BD-4D75-B5B4-C2DBFE0BD106}"/>
-              </a:ext>
-              <a:ext uri="{C183D7F6-B498-43B3-948B-1728B52AA6E4}">
-                <adec:decorative xmlns:adec="http://schemas.microsoft.com/office/drawing/2017/decorative" val="1"/>
-              </a:ext>
-            </a:extLst>
-          </p:cNvPr>
-          <p:cNvGrpSpPr>
-            <a:grpSpLocks noGrp="1" noUngrp="1" noRot="1" noChangeAspect="1" noMove="1" noResize="1"/>
-          </p:cNvGrpSpPr>
-          <p:nvPr>
-            <p:extLst>
-              <p:ext uri="{386F3935-93C4-4BCD-93E2-E3B085C9AB24}">
-                <p16:designElem xmlns:p16="http://schemas.microsoft.com/office/powerpoint/2015/main" val="1"/>
-              </p:ext>
-            </p:extLst>
-          </p:nvPr>
-        </p:nvGrpSpPr>
-        <p:grpSpPr>
-          <a:xfrm>
-            <a:off x="8104093" y="699565"/>
-            <a:ext cx="3553132" cy="5156200"/>
-            <a:chOff x="7807230" y="2012810"/>
-            <a:chExt cx="3251252" cy="3459865"/>
-          </a:xfrm>
-        </p:grpSpPr>
-        <p:sp>
-          <p:nvSpPr>
-            <p:cNvPr id="22" name="Rectangle 21">
-              <a:extLst>
-                <a:ext uri="{FF2B5EF4-FFF2-40B4-BE49-F238E27FC236}">
-                  <a16:creationId xmlns:a16="http://schemas.microsoft.com/office/drawing/2014/main" id="{F72E5074-2516-4705-BFF1-F508394A0AC6}"/>
-                </a:ext>
-                <a:ext uri="{C183D7F6-B498-43B3-948B-1728B52AA6E4}">
-                  <adec:decorative xmlns:adec="http://schemas.microsoft.com/office/drawing/2017/decorative" val="1"/>
-                </a:ext>
-              </a:extLst>
-            </p:cNvPr>
-            <p:cNvSpPr/>
-            <p:nvPr>
-              <p:extLst>
-                <p:ext uri="{386F3935-93C4-4BCD-93E2-E3B085C9AB24}">
-                  <p16:designElem xmlns:p16="http://schemas.microsoft.com/office/powerpoint/2015/main" val="1"/>
-                </p:ext>
-              </p:extLst>
-            </p:nvPr>
-          </p:nvSpPr>
-          <p:spPr>
-            <a:xfrm>
-              <a:off x="7807230" y="2012810"/>
-              <a:ext cx="3251252" cy="3459865"/>
-            </a:xfrm>
-            <a:prstGeom prst="rect">
-              <a:avLst/>
-            </a:prstGeom>
-            <a:gradFill>
-              <a:gsLst>
-                <a:gs pos="0">
-                  <a:srgbClr val="000001"/>
-                </a:gs>
-                <a:gs pos="100000">
-                  <a:srgbClr val="191919"/>
-                </a:gs>
-              </a:gsLst>
-            </a:gradFill>
-            <a:ln w="76200" cmpd="sng">
-              <a:noFill/>
-              <a:miter lim="800000"/>
-            </a:ln>
-            <a:effectLst>
-              <a:outerShdw blurRad="127000" dist="190500" dir="4740000" sx="98000" sy="98000" algn="tl" rotWithShape="0">
-                <a:srgbClr val="000000">
-                  <a:alpha val="34000"/>
-                </a:srgbClr>
-              </a:outerShdw>
-            </a:effectLst>
-            <a:scene3d>
-              <a:camera prst="orthographicFront"/>
-              <a:lightRig rig="threePt" dir="t"/>
-            </a:scene3d>
-            <a:sp3d>
-              <a:bevelT w="152400" h="50800" prst="softRound"/>
-            </a:sp3d>
-          </p:spPr>
-          <p:style>
-            <a:lnRef idx="1">
-              <a:schemeClr val="accent1"/>
-            </a:lnRef>
-            <a:fillRef idx="3">
-              <a:schemeClr val="accent1"/>
-            </a:fillRef>
-            <a:effectRef idx="2">
-              <a:schemeClr val="accent1"/>
-            </a:effectRef>
-            <a:fontRef idx="minor">
-              <a:schemeClr val="lt1"/>
-            </a:fontRef>
-          </p:style>
-          <p:txBody>
-            <a:bodyPr rtlCol="0" anchor="ctr"/>
-            <a:lstStyle/>
-            <a:p>
-              <a:pPr algn="ctr"/>
-              <a:endParaRPr lang="en-US"/>
-            </a:p>
-          </p:txBody>
-        </p:sp>
-        <p:sp>
-          <p:nvSpPr>
-            <p:cNvPr id="23" name="Rectangle 22">
-              <a:extLst>
-                <a:ext uri="{FF2B5EF4-FFF2-40B4-BE49-F238E27FC236}">
-                  <a16:creationId xmlns:a16="http://schemas.microsoft.com/office/drawing/2014/main" id="{02259E4C-F24C-4180-AEC3-76255D535E2C}"/>
-                </a:ext>
-                <a:ext uri="{C183D7F6-B498-43B3-948B-1728B52AA6E4}">
-                  <adec:decorative xmlns:adec="http://schemas.microsoft.com/office/drawing/2017/decorative" val="1"/>
-                </a:ext>
-              </a:extLst>
-            </p:cNvPr>
-            <p:cNvSpPr/>
-            <p:nvPr>
-              <p:extLst>
-                <p:ext uri="{386F3935-93C4-4BCD-93E2-E3B085C9AB24}">
-                  <p16:designElem xmlns:p16="http://schemas.microsoft.com/office/powerpoint/2015/main" val="1"/>
-                </p:ext>
-              </p:extLst>
-            </p:nvPr>
-          </p:nvSpPr>
-          <p:spPr>
-            <a:xfrm>
-              <a:off x="7807231" y="2026142"/>
-              <a:ext cx="3251250" cy="3440203"/>
-            </a:xfrm>
-            <a:prstGeom prst="rect">
-              <a:avLst/>
-            </a:prstGeom>
-            <a:gradFill>
-              <a:gsLst>
-                <a:gs pos="0">
-                  <a:srgbClr val="DADADA"/>
-                </a:gs>
-                <a:gs pos="100000">
-                  <a:srgbClr val="FFFFFE"/>
-                </a:gs>
-              </a:gsLst>
-              <a:lin ang="16200000" scaled="0"/>
-            </a:gradFill>
-            <a:ln w="76200" cmpd="sng">
-              <a:solidFill>
-                <a:srgbClr val="191919"/>
-              </a:solidFill>
-              <a:miter lim="800000"/>
-            </a:ln>
-            <a:effectLst>
-              <a:innerShdw blurRad="63500" dist="88900" dir="14100000">
-                <a:srgbClr val="000000">
-                  <a:alpha val="30000"/>
-                </a:srgbClr>
-              </a:innerShdw>
-            </a:effectLst>
-            <a:scene3d>
-              <a:camera prst="orthographicFront"/>
-              <a:lightRig rig="threePt" dir="t"/>
-            </a:scene3d>
-            <a:sp3d>
-              <a:bevelT w="38100" h="38100" prst="relaxedInset"/>
-            </a:sp3d>
-          </p:spPr>
-          <p:style>
-            <a:lnRef idx="1">
-              <a:schemeClr val="accent1"/>
-            </a:lnRef>
-            <a:fillRef idx="3">
-              <a:schemeClr val="accent1"/>
-            </a:fillRef>
-            <a:effectRef idx="2">
-              <a:schemeClr val="accent1"/>
-            </a:effectRef>
-            <a:fontRef idx="minor">
-              <a:schemeClr val="lt1"/>
-            </a:fontRef>
-          </p:style>
-          <p:txBody>
-            <a:bodyPr rtlCol="0" anchor="ctr"/>
-            <a:lstStyle/>
-            <a:p>
-              <a:pPr algn="ctr"/>
-              <a:endParaRPr lang="en-US"/>
-            </a:p>
-          </p:txBody>
-        </p:sp>
-      </p:grpSp>
-      <p:pic>
-        <p:nvPicPr>
-          <p:cNvPr id="3" name="Picture 2" descr="PS4 - CompetitiveController">
-            <a:extLst>
-              <a:ext uri="{FF2B5EF4-FFF2-40B4-BE49-F238E27FC236}">
-                <a16:creationId xmlns:a16="http://schemas.microsoft.com/office/drawing/2014/main" id="{68A7A3A3-4A3A-4AE3-A394-BECF9A2647AC}"/>
+          <p:cNvPr id="24" name="Picture 16" descr="San Miguel Autoescuela testigos e indicadores de nuestro vehículo">
+            <a:extLst>
+              <a:ext uri="{FF2B5EF4-FFF2-40B4-BE49-F238E27FC236}">
+                <a16:creationId xmlns:a16="http://schemas.microsoft.com/office/drawing/2014/main" id="{4B52E5D1-2315-4FDC-B76A-921436ECE3D8}"/>
               </a:ext>
             </a:extLst>
           </p:cNvPr>
@@ -7079,25 +7094,24 @@
           <p:nvPr/>
         </p:nvPicPr>
         <p:blipFill rotWithShape="1">
-          <a:blip r:embed="rId4">
+          <a:blip r:embed="rId2">
             <a:extLst>
               <a:ext uri="{28A0092B-C50C-407E-A947-70E740481C1C}">
                 <a14:useLocalDpi xmlns:a14="http://schemas.microsoft.com/office/drawing/2010/main" val="0"/>
               </a:ext>
             </a:extLst>
           </a:blip>
-          <a:srcRect l="3529" t="16667" r="50000" b="37804"/>
+          <a:srcRect l="18571" r="18533"/>
           <a:stretch/>
         </p:blipFill>
         <p:spPr bwMode="auto">
           <a:xfrm>
-            <a:off x="8275887" y="2437771"/>
-            <a:ext cx="1963488" cy="1027636"/>
+            <a:off x="411163" y="228600"/>
+            <a:ext cx="2873375" cy="2420938"/>
           </a:xfrm>
           <a:prstGeom prst="rect">
             <a:avLst/>
           </a:prstGeom>
-          <a:noFill/>
           <a:extLst>
             <a:ext uri="{909E8E84-426E-40DD-AFC4-6F175D3DCCD1}">
               <a14:hiddenFill xmlns:a14="http://schemas.microsoft.com/office/drawing/2010/main">
@@ -7111,10 +7125,45 @@
       </p:pic>
       <p:pic>
         <p:nvPicPr>
-          <p:cNvPr id="4" name="Picture 12" descr="Descargar Luces de Policia – APK de Aplicaciones Gratis">
-            <a:extLst>
-              <a:ext uri="{FF2B5EF4-FFF2-40B4-BE49-F238E27FC236}">
-                <a16:creationId xmlns:a16="http://schemas.microsoft.com/office/drawing/2014/main" id="{4DB0E3F4-0168-40AC-B233-FAC828CBA667}"/>
+          <p:cNvPr id="6" name="Imagen 5" descr="Icono&#10;&#10;Descripción generada automáticamente">
+            <a:extLst>
+              <a:ext uri="{FF2B5EF4-FFF2-40B4-BE49-F238E27FC236}">
+                <a16:creationId xmlns:a16="http://schemas.microsoft.com/office/drawing/2014/main" id="{3B58C861-F33D-41FF-8E5D-4835ADC5965B}"/>
+              </a:ext>
+            </a:extLst>
+          </p:cNvPr>
+          <p:cNvPicPr>
+            <a:picLocks noChangeAspect="1"/>
+          </p:cNvPicPr>
+          <p:nvPr/>
+        </p:nvPicPr>
+        <p:blipFill rotWithShape="1">
+          <a:blip r:embed="rId3">
+            <a:extLst>
+              <a:ext uri="{28A0092B-C50C-407E-A947-70E740481C1C}">
+                <a14:useLocalDpi xmlns:a14="http://schemas.microsoft.com/office/drawing/2010/main" val="0"/>
+              </a:ext>
+            </a:extLst>
+          </a:blip>
+          <a:srcRect r="-2" b="12949"/>
+          <a:stretch/>
+        </p:blipFill>
+        <p:spPr>
+          <a:xfrm>
+            <a:off x="3362325" y="228600"/>
+            <a:ext cx="2886075" cy="2420938"/>
+          </a:xfrm>
+          <a:prstGeom prst="rect">
+            <a:avLst/>
+          </a:prstGeom>
+        </p:spPr>
+      </p:pic>
+      <p:pic>
+        <p:nvPicPr>
+          <p:cNvPr id="16" name="Picture 8" descr="Tipos de luces del coche: cuándo y por qué debes utilizarlas">
+            <a:extLst>
+              <a:ext uri="{FF2B5EF4-FFF2-40B4-BE49-F238E27FC236}">
+                <a16:creationId xmlns:a16="http://schemas.microsoft.com/office/drawing/2014/main" id="{615F7E47-AD7B-4428-9150-327C4AEAE655}"/>
               </a:ext>
             </a:extLst>
           </p:cNvPr>
@@ -7124,7 +7173,221 @@
           <p:nvPr/>
         </p:nvPicPr>
         <p:blipFill rotWithShape="1">
+          <a:blip r:embed="rId4">
+            <a:extLst>
+              <a:ext uri="{28A0092B-C50C-407E-A947-70E740481C1C}">
+                <a14:useLocalDpi xmlns:a14="http://schemas.microsoft.com/office/drawing/2010/main" val="0"/>
+              </a:ext>
+            </a:extLst>
+          </a:blip>
+          <a:srcRect t="9357" r="-1" b="11590"/>
+          <a:stretch/>
+        </p:blipFill>
+        <p:spPr bwMode="auto">
+          <a:xfrm>
+            <a:off x="6326188" y="228600"/>
+            <a:ext cx="2879725" cy="2420938"/>
+          </a:xfrm>
+          <a:prstGeom prst="rect">
+            <a:avLst/>
+          </a:prstGeom>
+          <a:extLst>
+            <a:ext uri="{909E8E84-426E-40DD-AFC4-6F175D3DCCD1}">
+              <a14:hiddenFill xmlns:a14="http://schemas.microsoft.com/office/drawing/2010/main">
+                <a:solidFill>
+                  <a:srgbClr val="FFFFFF"/>
+                </a:solidFill>
+              </a14:hiddenFill>
+            </a:ext>
+          </a:extLst>
+        </p:spPr>
+      </p:pic>
+      <p:pic>
+        <p:nvPicPr>
+          <p:cNvPr id="25" name="Picture 18" descr="Icono Windows, cerrar, programa Gratis - Icon-Icons.com">
+            <a:extLst>
+              <a:ext uri="{FF2B5EF4-FFF2-40B4-BE49-F238E27FC236}">
+                <a16:creationId xmlns:a16="http://schemas.microsoft.com/office/drawing/2014/main" id="{679545D5-B5DF-48D8-97D4-E2D94449CED9}"/>
+              </a:ext>
+            </a:extLst>
+          </p:cNvPr>
+          <p:cNvPicPr>
+            <a:picLocks noChangeAspect="1" noChangeArrowheads="1"/>
+          </p:cNvPicPr>
+          <p:nvPr/>
+        </p:nvPicPr>
+        <p:blipFill>
           <a:blip r:embed="rId5">
+            <a:alphaModFix amt="50000"/>
+            <a:extLst>
+              <a:ext uri="{28A0092B-C50C-407E-A947-70E740481C1C}">
+                <a14:useLocalDpi xmlns:a14="http://schemas.microsoft.com/office/drawing/2010/main" val="0"/>
+              </a:ext>
+            </a:extLst>
+          </a:blip>
+          <a:srcRect/>
+          <a:stretch>
+            <a:fillRect/>
+          </a:stretch>
+        </p:blipFill>
+        <p:spPr bwMode="auto">
+          <a:xfrm>
+            <a:off x="9282113" y="228600"/>
+            <a:ext cx="2424113" cy="2420938"/>
+          </a:xfrm>
+          <a:prstGeom prst="rect">
+            <a:avLst/>
+          </a:prstGeom>
+          <a:extLst>
+            <a:ext uri="{909E8E84-426E-40DD-AFC4-6F175D3DCCD1}">
+              <a14:hiddenFill xmlns:a14="http://schemas.microsoft.com/office/drawing/2010/main">
+                <a:solidFill>
+                  <a:srgbClr val="FFFFFF"/>
+                </a:solidFill>
+              </a14:hiddenFill>
+            </a:ext>
+          </a:extLst>
+        </p:spPr>
+      </p:pic>
+      <p:pic>
+        <p:nvPicPr>
+          <p:cNvPr id="3" name="Picture 2" descr="PS4 - CompetitiveController">
+            <a:extLst>
+              <a:ext uri="{FF2B5EF4-FFF2-40B4-BE49-F238E27FC236}">
+                <a16:creationId xmlns:a16="http://schemas.microsoft.com/office/drawing/2014/main" id="{68A7A3A3-4A3A-4AE3-A394-BECF9A2647AC}"/>
+              </a:ext>
+            </a:extLst>
+          </p:cNvPr>
+          <p:cNvPicPr>
+            <a:picLocks noChangeAspect="1" noChangeArrowheads="1"/>
+          </p:cNvPicPr>
+          <p:nvPr/>
+        </p:nvPicPr>
+        <p:blipFill rotWithShape="1">
+          <a:blip r:embed="rId6">
+            <a:extLst>
+              <a:ext uri="{28A0092B-C50C-407E-A947-70E740481C1C}">
+                <a14:useLocalDpi xmlns:a14="http://schemas.microsoft.com/office/drawing/2010/main" val="0"/>
+              </a:ext>
+            </a:extLst>
+          </a:blip>
+          <a:srcRect r="36899"/>
+          <a:stretch/>
+        </p:blipFill>
+        <p:spPr bwMode="auto">
+          <a:xfrm>
+            <a:off x="2805113" y="2727325"/>
+            <a:ext cx="2914650" cy="2454275"/>
+          </a:xfrm>
+          <a:prstGeom prst="rect">
+            <a:avLst/>
+          </a:prstGeom>
+          <a:extLst>
+            <a:ext uri="{909E8E84-426E-40DD-AFC4-6F175D3DCCD1}">
+              <a14:hiddenFill xmlns:a14="http://schemas.microsoft.com/office/drawing/2010/main">
+                <a:solidFill>
+                  <a:srgbClr val="FFFFFF"/>
+                </a:solidFill>
+              </a14:hiddenFill>
+            </a:ext>
+          </a:extLst>
+        </p:spPr>
+      </p:pic>
+      <p:pic>
+        <p:nvPicPr>
+          <p:cNvPr id="5" name="Imagen 4" descr="Icono&#10;&#10;Descripción generada automáticamente">
+            <a:extLst>
+              <a:ext uri="{FF2B5EF4-FFF2-40B4-BE49-F238E27FC236}">
+                <a16:creationId xmlns:a16="http://schemas.microsoft.com/office/drawing/2014/main" id="{03C5A014-218C-4D36-A78A-ED13464767A2}"/>
+              </a:ext>
+            </a:extLst>
+          </p:cNvPr>
+          <p:cNvPicPr>
+            <a:picLocks noChangeAspect="1"/>
+          </p:cNvPicPr>
+          <p:nvPr/>
+        </p:nvPicPr>
+        <p:blipFill rotWithShape="1">
+          <a:blip r:embed="rId7">
+            <a:extLst>
+              <a:ext uri="{28A0092B-C50C-407E-A947-70E740481C1C}">
+                <a14:useLocalDpi xmlns:a14="http://schemas.microsoft.com/office/drawing/2010/main" val="0"/>
+              </a:ext>
+            </a:extLst>
+          </a:blip>
+          <a:srcRect r="-2" b="12949"/>
+          <a:stretch/>
+        </p:blipFill>
+        <p:spPr>
+          <a:xfrm>
+            <a:off x="5797550" y="2727325"/>
+            <a:ext cx="2927350" cy="2454275"/>
+          </a:xfrm>
+          <a:prstGeom prst="rect">
+            <a:avLst/>
+          </a:prstGeom>
+        </p:spPr>
+      </p:pic>
+      <p:pic>
+        <p:nvPicPr>
+          <p:cNvPr id="20" name="Picture 14" descr="La Policía O Ambulancia Logotipo De Sirena Luz Intermitente Roja. Estilo  Plano Con Los Rayos De La Línea De Dispersión. Ilustraciones Svg,  Vectoriales, Clip Art Vectorizado Libre De Derechos. Image 56505251.">
+            <a:extLst>
+              <a:ext uri="{FF2B5EF4-FFF2-40B4-BE49-F238E27FC236}">
+                <a16:creationId xmlns:a16="http://schemas.microsoft.com/office/drawing/2014/main" id="{BAF81279-1113-45C7-AC9E-76861CDA5BF9}"/>
+              </a:ext>
+            </a:extLst>
+          </p:cNvPr>
+          <p:cNvPicPr>
+            <a:picLocks noChangeAspect="1" noChangeArrowheads="1"/>
+          </p:cNvPicPr>
+          <p:nvPr/>
+        </p:nvPicPr>
+        <p:blipFill rotWithShape="1">
+          <a:blip r:embed="rId8">
+            <a:extLst>
+              <a:ext uri="{28A0092B-C50C-407E-A947-70E740481C1C}">
+                <a14:useLocalDpi xmlns:a14="http://schemas.microsoft.com/office/drawing/2010/main" val="0"/>
+              </a:ext>
+            </a:extLst>
+          </a:blip>
+          <a:srcRect t="13973" r="-2" b="1134"/>
+          <a:stretch/>
+        </p:blipFill>
+        <p:spPr bwMode="auto">
+          <a:xfrm>
+            <a:off x="8801100" y="2727325"/>
+            <a:ext cx="2905125" cy="2454275"/>
+          </a:xfrm>
+          <a:prstGeom prst="rect">
+            <a:avLst/>
+          </a:prstGeom>
+          <a:extLst>
+            <a:ext uri="{909E8E84-426E-40DD-AFC4-6F175D3DCCD1}">
+              <a14:hiddenFill xmlns:a14="http://schemas.microsoft.com/office/drawing/2010/main">
+                <a:solidFill>
+                  <a:srgbClr val="FFFFFF"/>
+                </a:solidFill>
+              </a14:hiddenFill>
+            </a:ext>
+          </a:extLst>
+        </p:spPr>
+      </p:pic>
+      <p:pic>
+        <p:nvPicPr>
+          <p:cNvPr id="4" name="Picture 12" descr="Descargar Luces de Policia – APK de Aplicaciones Gratis">
+            <a:extLst>
+              <a:ext uri="{FF2B5EF4-FFF2-40B4-BE49-F238E27FC236}">
+                <a16:creationId xmlns:a16="http://schemas.microsoft.com/office/drawing/2014/main" id="{4DB0E3F4-0168-40AC-B233-FAC828CBA667}"/>
+              </a:ext>
+            </a:extLst>
+          </p:cNvPr>
+          <p:cNvPicPr>
+            <a:picLocks noChangeAspect="1" noChangeArrowheads="1"/>
+          </p:cNvPicPr>
+          <p:nvPr/>
+        </p:nvPicPr>
+        <p:blipFill rotWithShape="1">
+          <a:blip r:embed="rId9">
             <a:extLst>
               <a:ext uri="{28A0092B-C50C-407E-A947-70E740481C1C}">
                 <a14:useLocalDpi xmlns:a14="http://schemas.microsoft.com/office/drawing/2010/main" val="0"/>
@@ -7136,13 +7399,12 @@
         </p:blipFill>
         <p:spPr bwMode="auto">
           <a:xfrm>
-            <a:off x="536960" y="673783"/>
-            <a:ext cx="540000" cy="570817"/>
+            <a:off x="411163" y="2727325"/>
+            <a:ext cx="2316163" cy="2454275"/>
           </a:xfrm>
           <a:prstGeom prst="rect">
             <a:avLst/>
           </a:prstGeom>
-          <a:noFill/>
           <a:extLst>
             <a:ext uri="{909E8E84-426E-40DD-AFC4-6F175D3DCCD1}">
               <a14:hiddenFill xmlns:a14="http://schemas.microsoft.com/office/drawing/2010/main">

--- a/Documentació/App - Cuadro de mandos.pptx
+++ b/Documentació/App - Cuadro de mandos.pptx
@@ -262,7 +262,7 @@
           <a:p>
             <a:fld id="{26B6B77F-3E34-4400-8A8C-30C29A0AC8E1}" type="datetimeFigureOut">
               <a:rPr lang="es-ES" smtClean="0"/>
-              <a:t>22/04/2022</a:t>
+              <a:t>24/04/2022</a:t>
             </a:fld>
             <a:endParaRPr lang="es-ES"/>
           </a:p>
@@ -460,7 +460,7 @@
           <a:p>
             <a:fld id="{26B6B77F-3E34-4400-8A8C-30C29A0AC8E1}" type="datetimeFigureOut">
               <a:rPr lang="es-ES" smtClean="0"/>
-              <a:t>22/04/2022</a:t>
+              <a:t>24/04/2022</a:t>
             </a:fld>
             <a:endParaRPr lang="es-ES"/>
           </a:p>
@@ -668,7 +668,7 @@
           <a:p>
             <a:fld id="{26B6B77F-3E34-4400-8A8C-30C29A0AC8E1}" type="datetimeFigureOut">
               <a:rPr lang="es-ES" smtClean="0"/>
-              <a:t>22/04/2022</a:t>
+              <a:t>24/04/2022</a:t>
             </a:fld>
             <a:endParaRPr lang="es-ES"/>
           </a:p>
@@ -866,7 +866,7 @@
           <a:p>
             <a:fld id="{26B6B77F-3E34-4400-8A8C-30C29A0AC8E1}" type="datetimeFigureOut">
               <a:rPr lang="es-ES" smtClean="0"/>
-              <a:t>22/04/2022</a:t>
+              <a:t>24/04/2022</a:t>
             </a:fld>
             <a:endParaRPr lang="es-ES"/>
           </a:p>
@@ -1141,7 +1141,7 @@
           <a:p>
             <a:fld id="{26B6B77F-3E34-4400-8A8C-30C29A0AC8E1}" type="datetimeFigureOut">
               <a:rPr lang="es-ES" smtClean="0"/>
-              <a:t>22/04/2022</a:t>
+              <a:t>24/04/2022</a:t>
             </a:fld>
             <a:endParaRPr lang="es-ES"/>
           </a:p>
@@ -1406,7 +1406,7 @@
           <a:p>
             <a:fld id="{26B6B77F-3E34-4400-8A8C-30C29A0AC8E1}" type="datetimeFigureOut">
               <a:rPr lang="es-ES" smtClean="0"/>
-              <a:t>22/04/2022</a:t>
+              <a:t>24/04/2022</a:t>
             </a:fld>
             <a:endParaRPr lang="es-ES"/>
           </a:p>
@@ -1818,7 +1818,7 @@
           <a:p>
             <a:fld id="{26B6B77F-3E34-4400-8A8C-30C29A0AC8E1}" type="datetimeFigureOut">
               <a:rPr lang="es-ES" smtClean="0"/>
-              <a:t>22/04/2022</a:t>
+              <a:t>24/04/2022</a:t>
             </a:fld>
             <a:endParaRPr lang="es-ES"/>
           </a:p>
@@ -1959,7 +1959,7 @@
           <a:p>
             <a:fld id="{26B6B77F-3E34-4400-8A8C-30C29A0AC8E1}" type="datetimeFigureOut">
               <a:rPr lang="es-ES" smtClean="0"/>
-              <a:t>22/04/2022</a:t>
+              <a:t>24/04/2022</a:t>
             </a:fld>
             <a:endParaRPr lang="es-ES"/>
           </a:p>
@@ -2072,7 +2072,7 @@
           <a:p>
             <a:fld id="{26B6B77F-3E34-4400-8A8C-30C29A0AC8E1}" type="datetimeFigureOut">
               <a:rPr lang="es-ES" smtClean="0"/>
-              <a:t>22/04/2022</a:t>
+              <a:t>24/04/2022</a:t>
             </a:fld>
             <a:endParaRPr lang="es-ES"/>
           </a:p>
@@ -2383,7 +2383,7 @@
           <a:p>
             <a:fld id="{26B6B77F-3E34-4400-8A8C-30C29A0AC8E1}" type="datetimeFigureOut">
               <a:rPr lang="es-ES" smtClean="0"/>
-              <a:t>22/04/2022</a:t>
+              <a:t>24/04/2022</a:t>
             </a:fld>
             <a:endParaRPr lang="es-ES"/>
           </a:p>
@@ -2671,7 +2671,7 @@
           <a:p>
             <a:fld id="{26B6B77F-3E34-4400-8A8C-30C29A0AC8E1}" type="datetimeFigureOut">
               <a:rPr lang="es-ES" smtClean="0"/>
-              <a:t>22/04/2022</a:t>
+              <a:t>24/04/2022</a:t>
             </a:fld>
             <a:endParaRPr lang="es-ES"/>
           </a:p>
@@ -2915,7 +2915,7 @@
           <a:p>
             <a:fld id="{26B6B77F-3E34-4400-8A8C-30C29A0AC8E1}" type="datetimeFigureOut">
               <a:rPr lang="es-ES" smtClean="0"/>
-              <a:t>22/04/2022</a:t>
+              <a:t>24/04/2022</a:t>
             </a:fld>
             <a:endParaRPr lang="es-ES"/>
           </a:p>
@@ -3346,7 +3346,7 @@
         </p:nvSpPr>
         <p:spPr>
           <a:xfrm rot="5400000">
-            <a:off x="-104775" y="2171700"/>
+            <a:off x="-545042" y="2171700"/>
             <a:ext cx="5580000" cy="2700000"/>
           </a:xfrm>
           <a:prstGeom prst="roundRect">
@@ -3400,7 +3400,7 @@
         </p:nvSpPr>
         <p:spPr>
           <a:xfrm>
-            <a:off x="1346337" y="5937521"/>
+            <a:off x="906070" y="5937521"/>
             <a:ext cx="2678400" cy="211274"/>
           </a:xfrm>
           <a:prstGeom prst="rect">
@@ -3458,7 +3458,7 @@
         </p:nvSpPr>
         <p:spPr>
           <a:xfrm>
-            <a:off x="1367368" y="1164162"/>
+            <a:off x="927101" y="1164162"/>
             <a:ext cx="2637366" cy="720725"/>
           </a:xfrm>
           <a:prstGeom prst="rect">
@@ -3558,7 +3558,7 @@
         </p:nvSpPr>
         <p:spPr>
           <a:xfrm>
-            <a:off x="1335225" y="731700"/>
+            <a:off x="894958" y="731700"/>
             <a:ext cx="2637366" cy="187326"/>
           </a:xfrm>
           <a:prstGeom prst="rect">
@@ -3614,7 +3614,7 @@
         </p:nvSpPr>
         <p:spPr>
           <a:xfrm>
-            <a:off x="1346025" y="919027"/>
+            <a:off x="905758" y="919027"/>
             <a:ext cx="2678400" cy="211274"/>
           </a:xfrm>
           <a:prstGeom prst="rect">
@@ -3675,7 +3675,7 @@
         </p:nvSpPr>
         <p:spPr>
           <a:xfrm>
-            <a:off x="3881480" y="1281690"/>
+            <a:off x="3441213" y="1281690"/>
             <a:ext cx="114300" cy="493609"/>
           </a:xfrm>
           <a:prstGeom prst="rect">
@@ -3724,7 +3724,7 @@
         </p:nvSpPr>
         <p:spPr>
           <a:xfrm>
-            <a:off x="3881480" y="1173690"/>
+            <a:off x="3441213" y="1173690"/>
             <a:ext cx="114300" cy="108000"/>
           </a:xfrm>
           <a:prstGeom prst="rect">
@@ -3768,7 +3768,7 @@
         </p:nvSpPr>
         <p:spPr>
           <a:xfrm>
-            <a:off x="3881480" y="1768266"/>
+            <a:off x="3441213" y="1768266"/>
             <a:ext cx="114300" cy="108000"/>
           </a:xfrm>
           <a:prstGeom prst="rect">
@@ -3812,7 +3812,7 @@
         </p:nvSpPr>
         <p:spPr>
           <a:xfrm>
-            <a:off x="3905629" y="1306162"/>
+            <a:off x="3465362" y="1306162"/>
             <a:ext cx="72000" cy="72000"/>
           </a:xfrm>
           <a:prstGeom prst="ellipse">
@@ -3882,7 +3882,7 @@
         </p:blipFill>
         <p:spPr bwMode="auto">
           <a:xfrm>
-            <a:off x="3595959" y="920479"/>
+            <a:off x="3155692" y="920479"/>
             <a:ext cx="408387" cy="213735"/>
           </a:xfrm>
           <a:prstGeom prst="rect">
@@ -3914,7 +3914,7 @@
         </p:nvSpPr>
         <p:spPr>
           <a:xfrm>
-            <a:off x="1346025" y="2528113"/>
+            <a:off x="905758" y="2528113"/>
             <a:ext cx="2678400" cy="211274"/>
           </a:xfrm>
           <a:prstGeom prst="rect">
@@ -3975,7 +3975,7 @@
         </p:nvSpPr>
         <p:spPr>
           <a:xfrm>
-            <a:off x="1346025" y="2754926"/>
+            <a:off x="905758" y="2754926"/>
             <a:ext cx="2678400" cy="345490"/>
           </a:xfrm>
           <a:prstGeom prst="rect">
@@ -4051,7 +4051,7 @@
         </p:blipFill>
         <p:spPr bwMode="auto">
           <a:xfrm>
-            <a:off x="1376893" y="2790506"/>
+            <a:off x="936626" y="2790506"/>
             <a:ext cx="426693" cy="277811"/>
           </a:xfrm>
           <a:prstGeom prst="rect">
@@ -4083,7 +4083,7 @@
         </p:nvSpPr>
         <p:spPr>
           <a:xfrm>
-            <a:off x="1346025" y="3115954"/>
+            <a:off x="905758" y="3115954"/>
             <a:ext cx="2678400" cy="345490"/>
           </a:xfrm>
           <a:prstGeom prst="rect">
@@ -4159,7 +4159,7 @@
         </p:blipFill>
         <p:spPr bwMode="auto">
           <a:xfrm>
-            <a:off x="1376893" y="3132008"/>
+            <a:off x="936626" y="3132008"/>
             <a:ext cx="426693" cy="312691"/>
           </a:xfrm>
           <a:prstGeom prst="rect">
@@ -4205,7 +4205,7 @@
         </p:blipFill>
         <p:spPr>
           <a:xfrm>
-            <a:off x="2910368" y="5951805"/>
+            <a:off x="2470101" y="5951805"/>
             <a:ext cx="272516" cy="193225"/>
           </a:xfrm>
           <a:prstGeom prst="rect">
@@ -4241,7 +4241,7 @@
         </p:blipFill>
         <p:spPr>
           <a:xfrm>
-            <a:off x="3219044" y="5946783"/>
+            <a:off x="2778777" y="5946783"/>
             <a:ext cx="193225" cy="193225"/>
           </a:xfrm>
           <a:prstGeom prst="rect">
@@ -4277,7 +4277,7 @@
         </p:blipFill>
         <p:spPr>
           <a:xfrm>
-            <a:off x="3436996" y="5955570"/>
+            <a:off x="2996729" y="5955570"/>
             <a:ext cx="193225" cy="193225"/>
           </a:xfrm>
           <a:prstGeom prst="rect">
@@ -4313,7 +4313,7 @@
         </p:blipFill>
         <p:spPr>
           <a:xfrm>
-            <a:off x="3654275" y="5946783"/>
+            <a:off x="3214008" y="5946783"/>
             <a:ext cx="351030" cy="193225"/>
           </a:xfrm>
           <a:prstGeom prst="rect">
@@ -4349,7 +4349,7 @@
         </p:blipFill>
         <p:spPr bwMode="auto">
           <a:xfrm>
-            <a:off x="1363126" y="5951674"/>
+            <a:off x="922859" y="5951674"/>
             <a:ext cx="355153" cy="185874"/>
           </a:xfrm>
           <a:prstGeom prst="rect">
@@ -4381,7 +4381,7 @@
         </p:nvSpPr>
         <p:spPr>
           <a:xfrm>
-            <a:off x="1699743" y="6195967"/>
+            <a:off x="1259476" y="6195967"/>
             <a:ext cx="72000" cy="73025"/>
           </a:xfrm>
           <a:prstGeom prst="rect">
@@ -4437,7 +4437,7 @@
         </p:nvSpPr>
         <p:spPr>
           <a:xfrm rot="16200000">
-            <a:off x="3559262" y="6196832"/>
+            <a:off x="3118995" y="6196832"/>
             <a:ext cx="76477" cy="70140"/>
           </a:xfrm>
           <a:prstGeom prst="triangle">
@@ -4493,7 +4493,7 @@
         </p:nvSpPr>
         <p:spPr>
           <a:xfrm>
-            <a:off x="2631087" y="6201610"/>
+            <a:off x="2190820" y="6201610"/>
             <a:ext cx="72000" cy="72000"/>
           </a:xfrm>
           <a:prstGeom prst="ellipse">
@@ -4549,7 +4549,7 @@
         </p:nvSpPr>
         <p:spPr>
           <a:xfrm>
-            <a:off x="1534152" y="2130575"/>
+            <a:off x="1093885" y="2130575"/>
             <a:ext cx="1803408" cy="230832"/>
           </a:xfrm>
           <a:prstGeom prst="rect">
@@ -4598,7 +4598,7 @@
         </p:blipFill>
         <p:spPr>
           <a:xfrm>
-            <a:off x="1422612" y="2341520"/>
+            <a:off x="982345" y="2341520"/>
             <a:ext cx="148721" cy="144000"/>
           </a:xfrm>
           <a:prstGeom prst="rect">
@@ -4634,7 +4634,7 @@
         </p:blipFill>
         <p:spPr>
           <a:xfrm>
-            <a:off x="1422613" y="2166226"/>
+            <a:off x="982346" y="2166226"/>
             <a:ext cx="148721" cy="144000"/>
           </a:xfrm>
           <a:prstGeom prst="rect">
@@ -4656,7 +4656,7 @@
         </p:nvSpPr>
         <p:spPr>
           <a:xfrm>
-            <a:off x="1534152" y="2304493"/>
+            <a:off x="1093885" y="2304493"/>
             <a:ext cx="1010920" cy="230832"/>
           </a:xfrm>
           <a:prstGeom prst="rect">
@@ -6264,7 +6264,7 @@
         </p:nvSpPr>
         <p:spPr>
           <a:xfrm>
-            <a:off x="1345349" y="1917099"/>
+            <a:off x="905082" y="1917099"/>
             <a:ext cx="2678400" cy="211274"/>
           </a:xfrm>
           <a:prstGeom prst="rect">
@@ -6307,6 +6307,321 @@
                 </a:solidFill>
               </a:rPr>
               <a:t>Cuadros de mando</a:t>
+            </a:r>
+          </a:p>
+        </p:txBody>
+      </p:sp>
+      <p:sp>
+        <p:nvSpPr>
+          <p:cNvPr id="70" name="CuadroTexto 69">
+            <a:extLst>
+              <a:ext uri="{FF2B5EF4-FFF2-40B4-BE49-F238E27FC236}">
+                <a16:creationId xmlns:a16="http://schemas.microsoft.com/office/drawing/2014/main" id="{3D51E452-DD54-4D5E-8901-FF2FDC1268CC}"/>
+              </a:ext>
+            </a:extLst>
+          </p:cNvPr>
+          <p:cNvSpPr txBox="1"/>
+          <p:nvPr/>
+        </p:nvSpPr>
+        <p:spPr>
+          <a:xfrm>
+            <a:off x="10397616" y="3293215"/>
+            <a:ext cx="1205318" cy="369332"/>
+          </a:xfrm>
+          <a:prstGeom prst="rect">
+            <a:avLst/>
+          </a:prstGeom>
+          <a:noFill/>
+        </p:spPr>
+        <p:txBody>
+          <a:bodyPr wrap="square">
+            <a:spAutoFit/>
+          </a:bodyPr>
+          <a:lstStyle/>
+          <a:p>
+            <a:r>
+              <a:rPr lang="es-ES" i="1"/>
+              <a:t>DPAD_UP</a:t>
+            </a:r>
+          </a:p>
+        </p:txBody>
+      </p:sp>
+      <p:sp>
+        <p:nvSpPr>
+          <p:cNvPr id="71" name="CuadroTexto 70">
+            <a:extLst>
+              <a:ext uri="{FF2B5EF4-FFF2-40B4-BE49-F238E27FC236}">
+                <a16:creationId xmlns:a16="http://schemas.microsoft.com/office/drawing/2014/main" id="{583CACBA-66FC-44E1-A4A5-13B20190830E}"/>
+              </a:ext>
+            </a:extLst>
+          </p:cNvPr>
+          <p:cNvSpPr txBox="1"/>
+          <p:nvPr/>
+        </p:nvSpPr>
+        <p:spPr>
+          <a:xfrm>
+            <a:off x="10397616" y="3819119"/>
+            <a:ext cx="1582716" cy="369332"/>
+          </a:xfrm>
+          <a:prstGeom prst="rect">
+            <a:avLst/>
+          </a:prstGeom>
+          <a:noFill/>
+        </p:spPr>
+        <p:txBody>
+          <a:bodyPr wrap="square">
+            <a:spAutoFit/>
+          </a:bodyPr>
+          <a:lstStyle/>
+          <a:p>
+            <a:r>
+              <a:rPr lang="es-ES" i="1"/>
+              <a:t>DPAD_DOWN</a:t>
+            </a:r>
+          </a:p>
+        </p:txBody>
+      </p:sp>
+      <p:sp>
+        <p:nvSpPr>
+          <p:cNvPr id="72" name="CuadroTexto 71">
+            <a:extLst>
+              <a:ext uri="{FF2B5EF4-FFF2-40B4-BE49-F238E27FC236}">
+                <a16:creationId xmlns:a16="http://schemas.microsoft.com/office/drawing/2014/main" id="{D40994AB-2612-4A24-BCDA-76244940617A}"/>
+              </a:ext>
+            </a:extLst>
+          </p:cNvPr>
+          <p:cNvSpPr txBox="1"/>
+          <p:nvPr/>
+        </p:nvSpPr>
+        <p:spPr>
+          <a:xfrm>
+            <a:off x="4677376" y="1816356"/>
+            <a:ext cx="1418624" cy="369332"/>
+          </a:xfrm>
+          <a:prstGeom prst="rect">
+            <a:avLst/>
+          </a:prstGeom>
+          <a:noFill/>
+        </p:spPr>
+        <p:txBody>
+          <a:bodyPr wrap="square">
+            <a:spAutoFit/>
+          </a:bodyPr>
+          <a:lstStyle/>
+          <a:p>
+            <a:r>
+              <a:rPr lang="es-ES" i="1"/>
+              <a:t>BUTTON_L1</a:t>
+            </a:r>
+          </a:p>
+        </p:txBody>
+      </p:sp>
+      <p:sp>
+        <p:nvSpPr>
+          <p:cNvPr id="73" name="CuadroTexto 72">
+            <a:extLst>
+              <a:ext uri="{FF2B5EF4-FFF2-40B4-BE49-F238E27FC236}">
+                <a16:creationId xmlns:a16="http://schemas.microsoft.com/office/drawing/2014/main" id="{B606B0D1-CD8E-40EA-81D1-B6B71AE66EC9}"/>
+              </a:ext>
+            </a:extLst>
+          </p:cNvPr>
+          <p:cNvSpPr txBox="1"/>
+          <p:nvPr/>
+        </p:nvSpPr>
+        <p:spPr>
+          <a:xfrm>
+            <a:off x="9315286" y="1816356"/>
+            <a:ext cx="1418623" cy="369332"/>
+          </a:xfrm>
+          <a:prstGeom prst="rect">
+            <a:avLst/>
+          </a:prstGeom>
+          <a:noFill/>
+        </p:spPr>
+        <p:txBody>
+          <a:bodyPr wrap="square">
+            <a:spAutoFit/>
+          </a:bodyPr>
+          <a:lstStyle/>
+          <a:p>
+            <a:r>
+              <a:rPr lang="es-ES" i="1"/>
+              <a:t>BUTTON_R1</a:t>
+            </a:r>
+          </a:p>
+        </p:txBody>
+      </p:sp>
+      <p:sp>
+        <p:nvSpPr>
+          <p:cNvPr id="75" name="CuadroTexto 74">
+            <a:extLst>
+              <a:ext uri="{FF2B5EF4-FFF2-40B4-BE49-F238E27FC236}">
+                <a16:creationId xmlns:a16="http://schemas.microsoft.com/office/drawing/2014/main" id="{64B9B193-B01F-450E-9DF7-963E25F6F125}"/>
+              </a:ext>
+            </a:extLst>
+          </p:cNvPr>
+          <p:cNvSpPr txBox="1"/>
+          <p:nvPr/>
+        </p:nvSpPr>
+        <p:spPr>
+          <a:xfrm>
+            <a:off x="6531913" y="2927106"/>
+            <a:ext cx="1095365" cy="261610"/>
+          </a:xfrm>
+          <a:prstGeom prst="rect">
+            <a:avLst/>
+          </a:prstGeom>
+          <a:noFill/>
+        </p:spPr>
+        <p:txBody>
+          <a:bodyPr wrap="square">
+            <a:spAutoFit/>
+          </a:bodyPr>
+          <a:lstStyle/>
+          <a:p>
+            <a:r>
+              <a:rPr lang="es-ES" sz="1100" b="1" i="1"/>
+              <a:t>AXIS_LTRIGGER</a:t>
+            </a:r>
+          </a:p>
+        </p:txBody>
+      </p:sp>
+      <p:sp>
+        <p:nvSpPr>
+          <p:cNvPr id="76" name="CuadroTexto 75">
+            <a:extLst>
+              <a:ext uri="{FF2B5EF4-FFF2-40B4-BE49-F238E27FC236}">
+                <a16:creationId xmlns:a16="http://schemas.microsoft.com/office/drawing/2014/main" id="{6EDAC2F5-61EE-48DD-A8CF-062E48B74E1D}"/>
+              </a:ext>
+            </a:extLst>
+          </p:cNvPr>
+          <p:cNvSpPr txBox="1"/>
+          <p:nvPr/>
+        </p:nvSpPr>
+        <p:spPr>
+          <a:xfrm>
+            <a:off x="7629333" y="2927106"/>
+            <a:ext cx="1120970" cy="261610"/>
+          </a:xfrm>
+          <a:prstGeom prst="rect">
+            <a:avLst/>
+          </a:prstGeom>
+          <a:noFill/>
+        </p:spPr>
+        <p:txBody>
+          <a:bodyPr wrap="square">
+            <a:spAutoFit/>
+          </a:bodyPr>
+          <a:lstStyle/>
+          <a:p>
+            <a:r>
+              <a:rPr lang="es-ES" sz="1100" b="1" i="1"/>
+              <a:t>AXIS_RTRIGGER</a:t>
+            </a:r>
+          </a:p>
+        </p:txBody>
+      </p:sp>
+      <p:sp>
+        <p:nvSpPr>
+          <p:cNvPr id="77" name="CuadroTexto 76">
+            <a:extLst>
+              <a:ext uri="{FF2B5EF4-FFF2-40B4-BE49-F238E27FC236}">
+                <a16:creationId xmlns:a16="http://schemas.microsoft.com/office/drawing/2014/main" id="{8B2785D2-70BA-481C-A962-62AE593C3641}"/>
+              </a:ext>
+            </a:extLst>
+          </p:cNvPr>
+          <p:cNvSpPr txBox="1"/>
+          <p:nvPr/>
+        </p:nvSpPr>
+        <p:spPr>
+          <a:xfrm>
+            <a:off x="3611940" y="3074012"/>
+            <a:ext cx="1326150" cy="369332"/>
+          </a:xfrm>
+          <a:prstGeom prst="rect">
+            <a:avLst/>
+          </a:prstGeom>
+          <a:noFill/>
+        </p:spPr>
+        <p:txBody>
+          <a:bodyPr wrap="square">
+            <a:spAutoFit/>
+          </a:bodyPr>
+          <a:lstStyle/>
+          <a:p>
+            <a:r>
+              <a:rPr lang="es-ES" i="1"/>
+              <a:t>DPAD_LEFT</a:t>
+            </a:r>
+          </a:p>
+        </p:txBody>
+      </p:sp>
+      <p:sp>
+        <p:nvSpPr>
+          <p:cNvPr id="78" name="CuadroTexto 77">
+            <a:extLst>
+              <a:ext uri="{FF2B5EF4-FFF2-40B4-BE49-F238E27FC236}">
+                <a16:creationId xmlns:a16="http://schemas.microsoft.com/office/drawing/2014/main" id="{B350CCD0-A52A-4D02-9ADA-C23455294B93}"/>
+              </a:ext>
+            </a:extLst>
+          </p:cNvPr>
+          <p:cNvSpPr txBox="1"/>
+          <p:nvPr/>
+        </p:nvSpPr>
+        <p:spPr>
+          <a:xfrm>
+            <a:off x="10397616" y="4404035"/>
+            <a:ext cx="1794383" cy="369332"/>
+          </a:xfrm>
+          <a:prstGeom prst="rect">
+            <a:avLst/>
+          </a:prstGeom>
+          <a:noFill/>
+        </p:spPr>
+        <p:txBody>
+          <a:bodyPr wrap="square">
+            <a:spAutoFit/>
+          </a:bodyPr>
+          <a:lstStyle/>
+          <a:p>
+            <a:r>
+              <a:rPr lang="es-ES" i="1"/>
+              <a:t>Pantalla Android</a:t>
+            </a:r>
+          </a:p>
+        </p:txBody>
+      </p:sp>
+      <p:sp>
+        <p:nvSpPr>
+          <p:cNvPr id="79" name="CuadroTexto 78">
+            <a:extLst>
+              <a:ext uri="{FF2B5EF4-FFF2-40B4-BE49-F238E27FC236}">
+                <a16:creationId xmlns:a16="http://schemas.microsoft.com/office/drawing/2014/main" id="{BD104CAB-E47A-4DE2-9A42-E9044B041413}"/>
+              </a:ext>
+            </a:extLst>
+          </p:cNvPr>
+          <p:cNvSpPr txBox="1"/>
+          <p:nvPr/>
+        </p:nvSpPr>
+        <p:spPr>
+          <a:xfrm>
+            <a:off x="7283174" y="4551865"/>
+            <a:ext cx="1095365" cy="261610"/>
+          </a:xfrm>
+          <a:prstGeom prst="rect">
+            <a:avLst/>
+          </a:prstGeom>
+          <a:noFill/>
+        </p:spPr>
+        <p:txBody>
+          <a:bodyPr wrap="square">
+            <a:spAutoFit/>
+          </a:bodyPr>
+          <a:lstStyle/>
+          <a:p>
+            <a:r>
+              <a:rPr lang="es-ES" sz="1100" b="1" i="1"/>
+              <a:t>AXIS_X</a:t>
             </a:r>
           </a:p>
         </p:txBody>
